--- a/Slides/CognitiveServicesInAzure.pptx
+++ b/Slides/CognitiveServicesInAzure.pptx
@@ -5,24 +5,26 @@
     <p:sldMasterId id="2147483674" r:id="rId1"/>
   </p:sldMasterIdLst>
   <p:notesMasterIdLst>
-    <p:notesMasterId r:id="rId17"/>
+    <p:notesMasterId r:id="rId19"/>
   </p:notesMasterIdLst>
   <p:sldIdLst>
     <p:sldId id="256" r:id="rId2"/>
     <p:sldId id="270" r:id="rId3"/>
-    <p:sldId id="257" r:id="rId4"/>
-    <p:sldId id="262" r:id="rId5"/>
-    <p:sldId id="260" r:id="rId6"/>
-    <p:sldId id="258" r:id="rId7"/>
-    <p:sldId id="259" r:id="rId8"/>
-    <p:sldId id="261" r:id="rId9"/>
-    <p:sldId id="265" r:id="rId10"/>
-    <p:sldId id="266" r:id="rId11"/>
-    <p:sldId id="264" r:id="rId12"/>
-    <p:sldId id="267" r:id="rId13"/>
-    <p:sldId id="268" r:id="rId14"/>
-    <p:sldId id="269" r:id="rId15"/>
-    <p:sldId id="263" r:id="rId16"/>
+    <p:sldId id="271" r:id="rId4"/>
+    <p:sldId id="257" r:id="rId5"/>
+    <p:sldId id="262" r:id="rId6"/>
+    <p:sldId id="272" r:id="rId7"/>
+    <p:sldId id="260" r:id="rId8"/>
+    <p:sldId id="258" r:id="rId9"/>
+    <p:sldId id="259" r:id="rId10"/>
+    <p:sldId id="261" r:id="rId11"/>
+    <p:sldId id="265" r:id="rId12"/>
+    <p:sldId id="266" r:id="rId13"/>
+    <p:sldId id="264" r:id="rId14"/>
+    <p:sldId id="267" r:id="rId15"/>
+    <p:sldId id="268" r:id="rId16"/>
+    <p:sldId id="269" r:id="rId17"/>
+    <p:sldId id="263" r:id="rId18"/>
   </p:sldIdLst>
   <p:sldSz cx="12192000" cy="6858000"/>
   <p:notesSz cx="6858000" cy="9144000"/>
@@ -1238,7 +1240,7 @@
                 <a:tabLst/>
                 <a:defRPr/>
               </a:pPr>
-              <a:t>9</a:t>
+              <a:t>11</a:t>
             </a:fld>
             <a:endParaRPr kumimoji="0" lang="en-US" sz="1200" b="0" i="0" u="none" strike="noStrike" kern="1200" cap="none" spc="0" normalizeH="0" baseline="0" noProof="0">
               <a:ln>
@@ -1463,7 +1465,7 @@
             <a:fld id="{B4008EB6-D09E-4580-8CD6-DDB14511944F}" type="slidenum">
               <a:rPr lang="en-US" smtClean="0"/>
               <a:pPr/>
-              <a:t>10</a:t>
+              <a:t>12</a:t>
             </a:fld>
             <a:endParaRPr lang="en-US"/>
           </a:p>
@@ -1840,7 +1842,7 @@
                 <a:tabLst/>
                 <a:defRPr/>
               </a:pPr>
-              <a:t>11</a:t>
+              <a:t>13</a:t>
             </a:fld>
             <a:endParaRPr kumimoji="0" lang="en-US" sz="1200" b="0" i="0" u="none" strike="noStrike" kern="1200" cap="none" spc="0" normalizeH="0" baseline="0" noProof="0">
               <a:ln>
@@ -2204,7 +2206,7 @@
                 <a:tabLst/>
                 <a:defRPr/>
               </a:pPr>
-              <a:t>12</a:t>
+              <a:t>14</a:t>
             </a:fld>
             <a:endParaRPr kumimoji="0" lang="en-US" sz="1200" b="0" i="0" u="none" strike="noStrike" kern="1200" cap="none" spc="0" normalizeH="0" baseline="0" noProof="0">
               <a:ln>
@@ -2348,7 +2350,7 @@
                 <a:tabLst/>
                 <a:defRPr/>
               </a:pPr>
-              <a:t>14</a:t>
+              <a:t>16</a:t>
             </a:fld>
             <a:endParaRPr kumimoji="0" lang="en-US" sz="1200" b="0" i="0" u="none" strike="noStrike" kern="1200" cap="none" spc="0" normalizeH="0" baseline="0" noProof="0">
               <a:ln>
@@ -5857,6 +5859,1541 @@
       </p:grpSpPr>
       <p:sp>
         <p:nvSpPr>
+          <p:cNvPr id="2" name="Title 1"/>
+          <p:cNvSpPr>
+            <a:spLocks noGrp="1"/>
+          </p:cNvSpPr>
+          <p:nvPr>
+            <p:ph type="title"/>
+          </p:nvPr>
+        </p:nvSpPr>
+        <p:spPr/>
+        <p:txBody>
+          <a:bodyPr/>
+          <a:lstStyle/>
+          <a:p>
+            <a:r>
+              <a:rPr lang="sv-SE" dirty="0" smtClean="0"/>
+              <a:t>Azure Search</a:t>
+            </a:r>
+            <a:endParaRPr lang="da-DK" dirty="0"/>
+          </a:p>
+        </p:txBody>
+      </p:sp>
+      <p:sp>
+        <p:nvSpPr>
+          <p:cNvPr id="3" name="Content Placeholder 2"/>
+          <p:cNvSpPr>
+            <a:spLocks noGrp="1"/>
+          </p:cNvSpPr>
+          <p:nvPr>
+            <p:ph idx="1"/>
+          </p:nvPr>
+        </p:nvSpPr>
+        <p:spPr/>
+        <p:txBody>
+          <a:bodyPr/>
+          <a:lstStyle/>
+          <a:p>
+            <a:r>
+              <a:rPr lang="sv-SE" dirty="0" smtClean="0"/>
+              <a:t>Docs: </a:t>
+            </a:r>
+            <a:r>
+              <a:rPr lang="da-DK" dirty="0">
+                <a:hlinkClick r:id="rId2"/>
+              </a:rPr>
+              <a:t>https://docs.microsoft.com/en-us/azure/search</a:t>
+            </a:r>
+            <a:r>
+              <a:rPr lang="da-DK" dirty="0" smtClean="0">
+                <a:hlinkClick r:id="rId2"/>
+              </a:rPr>
+              <a:t>/</a:t>
+            </a:r>
+            <a:endParaRPr lang="da-DK" dirty="0" smtClean="0"/>
+          </a:p>
+          <a:p>
+            <a:r>
+              <a:rPr lang="sv-SE" dirty="0" smtClean="0"/>
+              <a:t>JFK Files: </a:t>
+            </a:r>
+            <a:r>
+              <a:rPr lang="da-DK" dirty="0">
+                <a:hlinkClick r:id="rId3"/>
+              </a:rPr>
+              <a:t>https://jfk-demo.azurewebsites.net/#/</a:t>
+            </a:r>
+            <a:endParaRPr lang="da-DK" dirty="0"/>
+          </a:p>
+        </p:txBody>
+      </p:sp>
+    </p:spTree>
+    <p:extLst>
+      <p:ext uri="{BB962C8B-B14F-4D97-AF65-F5344CB8AC3E}">
+        <p14:creationId xmlns:p14="http://schemas.microsoft.com/office/powerpoint/2010/main" val="3881069000"/>
+      </p:ext>
+    </p:extLst>
+  </p:cSld>
+  <p:clrMapOvr>
+    <a:masterClrMapping/>
+  </p:clrMapOvr>
+</p:sld>
+</file>
+
+<file path=ppt/slides/slide11.xml><?xml version="1.0" encoding="utf-8"?>
+<p:sld xmlns:a="http://schemas.openxmlformats.org/drawingml/2006/main" xmlns:r="http://schemas.openxmlformats.org/officeDocument/2006/relationships" xmlns:p="http://schemas.openxmlformats.org/presentationml/2006/main">
+  <p:cSld>
+    <p:spTree>
+      <p:nvGrpSpPr>
+        <p:cNvPr id="1" name=""/>
+        <p:cNvGrpSpPr/>
+        <p:nvPr/>
+      </p:nvGrpSpPr>
+      <p:grpSpPr>
+        <a:xfrm>
+          <a:off x="0" y="0"/>
+          <a:ext cx="0" cy="0"/>
+          <a:chOff x="0" y="0"/>
+          <a:chExt cx="0" cy="0"/>
+        </a:xfrm>
+      </p:grpSpPr>
+      <p:pic>
+        <p:nvPicPr>
+          <p:cNvPr id="23" name="Picture 22" descr="image001">
+            <a:extLst>
+              <a:ext uri="{FF2B5EF4-FFF2-40B4-BE49-F238E27FC236}">
+                <a16:creationId xmlns:a16="http://schemas.microsoft.com/office/drawing/2014/main" xmlns="" id="{C01007DA-B57E-4A46-9C27-9ECB30C2794D}"/>
+              </a:ext>
+            </a:extLst>
+          </p:cNvPr>
+          <p:cNvPicPr>
+            <a:picLocks noChangeAspect="1" noChangeArrowheads="1"/>
+          </p:cNvPicPr>
+          <p:nvPr/>
+        </p:nvPicPr>
+        <p:blipFill>
+          <a:blip r:embed="rId3">
+            <a:extLst>
+              <a:ext uri="{BEBA8EAE-BF5A-486C-A8C5-ECC9F3942E4B}">
+                <a14:imgProps xmlns:a14="http://schemas.microsoft.com/office/drawing/2010/main">
+                  <a14:imgLayer r:embed="rId4">
+                    <a14:imgEffect>
+                      <a14:artisticBlur/>
+                    </a14:imgEffect>
+                    <a14:imgEffect>
+                      <a14:brightnessContrast bright="-20000"/>
+                    </a14:imgEffect>
+                  </a14:imgLayer>
+                </a14:imgProps>
+              </a:ext>
+              <a:ext uri="{28A0092B-C50C-407E-A947-70E740481C1C}">
+                <a14:useLocalDpi xmlns:a14="http://schemas.microsoft.com/office/drawing/2010/main" val="0"/>
+              </a:ext>
+            </a:extLst>
+          </a:blip>
+          <a:srcRect/>
+          <a:stretch>
+            <a:fillRect/>
+          </a:stretch>
+        </p:blipFill>
+        <p:spPr bwMode="auto">
+          <a:xfrm>
+            <a:off x="-228600" y="-364799"/>
+            <a:ext cx="12548716" cy="7587598"/>
+          </a:xfrm>
+          <a:prstGeom prst="rect">
+            <a:avLst/>
+          </a:prstGeom>
+          <a:noFill/>
+          <a:ln>
+            <a:noFill/>
+          </a:ln>
+          <a:extLst>
+            <a:ext uri="{909E8E84-426E-40DD-AFC4-6F175D3DCCD1}">
+              <a14:hiddenFill xmlns:a14="http://schemas.microsoft.com/office/drawing/2010/main">
+                <a:solidFill>
+                  <a:srgbClr val="FFFFFF"/>
+                </a:solidFill>
+              </a14:hiddenFill>
+            </a:ext>
+            <a:ext uri="{91240B29-F687-4F45-9708-019B960494DF}">
+              <a14:hiddenLine xmlns:a14="http://schemas.microsoft.com/office/drawing/2010/main" w="9525">
+                <a:solidFill>
+                  <a:srgbClr val="000000"/>
+                </a:solidFill>
+                <a:miter lim="800000"/>
+                <a:headEnd/>
+                <a:tailEnd/>
+              </a14:hiddenLine>
+            </a:ext>
+          </a:extLst>
+        </p:spPr>
+      </p:pic>
+      <p:sp>
+        <p:nvSpPr>
+          <p:cNvPr id="24" name="Rectangle 23">
+            <a:extLst>
+              <a:ext uri="{FF2B5EF4-FFF2-40B4-BE49-F238E27FC236}">
+                <a16:creationId xmlns:a16="http://schemas.microsoft.com/office/drawing/2014/main" xmlns="" id="{CF84A404-61CC-4840-AAEC-894993E4551D}"/>
+              </a:ext>
+            </a:extLst>
+          </p:cNvPr>
+          <p:cNvSpPr/>
+          <p:nvPr/>
+        </p:nvSpPr>
+        <p:spPr bwMode="auto">
+          <a:xfrm>
+            <a:off x="-228600" y="-364799"/>
+            <a:ext cx="12548716" cy="7587598"/>
+          </a:xfrm>
+          <a:prstGeom prst="rect">
+            <a:avLst/>
+          </a:prstGeom>
+          <a:solidFill>
+            <a:schemeClr val="tx2">
+              <a:alpha val="59000"/>
+            </a:schemeClr>
+          </a:solidFill>
+          <a:ln>
+            <a:noFill/>
+            <a:headEnd type="none" w="med" len="med"/>
+            <a:tailEnd type="none" w="med" len="med"/>
+          </a:ln>
+          <a:effectLst/>
+        </p:spPr>
+        <p:style>
+          <a:lnRef idx="1">
+            <a:schemeClr val="accent2"/>
+          </a:lnRef>
+          <a:fillRef idx="3">
+            <a:schemeClr val="accent2"/>
+          </a:fillRef>
+          <a:effectRef idx="2">
+            <a:schemeClr val="accent2"/>
+          </a:effectRef>
+          <a:fontRef idx="minor">
+            <a:schemeClr val="lt1"/>
+          </a:fontRef>
+        </p:style>
+        <p:txBody>
+          <a:bodyPr rot="0" spcFirstLastPara="0" vertOverflow="overflow" horzOverflow="overflow" vert="horz" wrap="square" lIns="182880" tIns="146304" rIns="182880" bIns="146304" numCol="1" spcCol="0" rtlCol="0" fromWordArt="0" anchor="t" anchorCtr="0" forceAA="0" compatLnSpc="1">
+            <a:prstTxWarp prst="textNoShape">
+              <a:avLst/>
+            </a:prstTxWarp>
+            <a:noAutofit/>
+          </a:bodyPr>
+          <a:lstStyle/>
+          <a:p>
+            <a:pPr marL="0" marR="0" lvl="0" indent="0" algn="l" defTabSz="932472" rtl="0" eaLnBrk="1" fontAlgn="base" latinLnBrk="0" hangingPunct="1">
+              <a:lnSpc>
+                <a:spcPct val="100000"/>
+              </a:lnSpc>
+              <a:spcBef>
+                <a:spcPct val="0"/>
+              </a:spcBef>
+              <a:spcAft>
+                <a:spcPct val="0"/>
+              </a:spcAft>
+              <a:buClrTx/>
+              <a:buSzTx/>
+              <a:buFontTx/>
+              <a:buNone/>
+              <a:tabLst/>
+              <a:defRPr/>
+            </a:pPr>
+            <a:endParaRPr kumimoji="0" lang="en-US" sz="2000" b="0" i="0" u="none" strike="noStrike" kern="1200" cap="none" spc="0" normalizeH="0" baseline="0" noProof="0" err="1">
+              <a:ln>
+                <a:noFill/>
+              </a:ln>
+              <a:gradFill>
+                <a:gsLst>
+                  <a:gs pos="0">
+                    <a:srgbClr val="FFFFFF"/>
+                  </a:gs>
+                  <a:gs pos="100000">
+                    <a:srgbClr val="FFFFFF"/>
+                  </a:gs>
+                </a:gsLst>
+                <a:lin ang="5400000" scaled="0"/>
+              </a:gradFill>
+              <a:effectLst/>
+              <a:uLnTx/>
+              <a:uFillTx/>
+              <a:latin typeface="Segoe UI"/>
+              <a:ea typeface="Segoe UI" pitchFamily="34" charset="0"/>
+              <a:cs typeface="Segoe UI" pitchFamily="34" charset="0"/>
+            </a:endParaRPr>
+          </a:p>
+        </p:txBody>
+      </p:sp>
+      <p:grpSp>
+        <p:nvGrpSpPr>
+          <p:cNvPr id="4" name="Group 3">
+            <a:extLst>
+              <a:ext uri="{FF2B5EF4-FFF2-40B4-BE49-F238E27FC236}">
+                <a16:creationId xmlns:a16="http://schemas.microsoft.com/office/drawing/2014/main" xmlns="" id="{D67154C3-C533-4DF9-AD1C-7B4BF2C7C13C}"/>
+              </a:ext>
+            </a:extLst>
+          </p:cNvPr>
+          <p:cNvGrpSpPr/>
+          <p:nvPr/>
+        </p:nvGrpSpPr>
+        <p:grpSpPr>
+          <a:xfrm>
+            <a:off x="1027200" y="2035960"/>
+            <a:ext cx="3258000" cy="2995200"/>
+            <a:chOff x="1027200" y="2035960"/>
+            <a:chExt cx="3258000" cy="2995200"/>
+          </a:xfrm>
+        </p:grpSpPr>
+        <p:pic>
+          <p:nvPicPr>
+            <p:cNvPr id="55" name="Picture 54">
+              <a:extLst>
+                <a:ext uri="{FF2B5EF4-FFF2-40B4-BE49-F238E27FC236}">
+                  <a16:creationId xmlns:a16="http://schemas.microsoft.com/office/drawing/2014/main" xmlns="" id="{61DA6B62-168B-074E-85FC-31CA91D068FB}"/>
+                </a:ext>
+              </a:extLst>
+            </p:cNvPr>
+            <p:cNvPicPr>
+              <a:picLocks/>
+            </p:cNvPicPr>
+            <p:nvPr/>
+          </p:nvPicPr>
+          <p:blipFill rotWithShape="1">
+            <a:blip r:embed="rId5">
+              <a:extLst>
+                <a:ext uri="{28A0092B-C50C-407E-A947-70E740481C1C}">
+                  <a14:useLocalDpi xmlns:a14="http://schemas.microsoft.com/office/drawing/2010/main" val="0"/>
+                </a:ext>
+              </a:extLst>
+            </a:blip>
+            <a:srcRect l="8178" r="8735"/>
+            <a:stretch>
+              <a:fillRect/>
+            </a:stretch>
+          </p:blipFill>
+          <p:spPr>
+            <a:xfrm>
+              <a:off x="1027200" y="2035960"/>
+              <a:ext cx="3258000" cy="2995196"/>
+            </a:xfrm>
+            <a:prstGeom prst="rect">
+              <a:avLst/>
+            </a:prstGeom>
+            <a:solidFill>
+              <a:schemeClr val="bg1">
+                <a:lumMod val="95000"/>
+              </a:schemeClr>
+            </a:solidFill>
+            <a:ln w="10795" cap="flat" cmpd="sng" algn="ctr">
+              <a:noFill/>
+              <a:prstDash val="solid"/>
+            </a:ln>
+            <a:effectLst>
+              <a:outerShdw blurRad="190500" dist="38100" dir="2700000" algn="tl" rotWithShape="0">
+                <a:prstClr val="black">
+                  <a:alpha val="35000"/>
+                </a:prstClr>
+              </a:outerShdw>
+            </a:effectLst>
+          </p:spPr>
+        </p:pic>
+        <p:sp>
+          <p:nvSpPr>
+            <p:cNvPr id="56" name="Rectangle 55">
+              <a:extLst>
+                <a:ext uri="{FF2B5EF4-FFF2-40B4-BE49-F238E27FC236}">
+                  <a16:creationId xmlns:a16="http://schemas.microsoft.com/office/drawing/2014/main" xmlns="" id="{E7AA2203-2AC9-014C-B34C-1E0E1D6B68CD}"/>
+                </a:ext>
+              </a:extLst>
+            </p:cNvPr>
+            <p:cNvSpPr>
+              <a:spLocks/>
+            </p:cNvSpPr>
+            <p:nvPr/>
+          </p:nvSpPr>
+          <p:spPr bwMode="auto">
+            <a:xfrm>
+              <a:off x="1027200" y="2035960"/>
+              <a:ext cx="3258000" cy="2995200"/>
+            </a:xfrm>
+            <a:prstGeom prst="rect">
+              <a:avLst/>
+            </a:prstGeom>
+            <a:solidFill>
+              <a:schemeClr val="tx2">
+                <a:alpha val="84706"/>
+              </a:schemeClr>
+            </a:solidFill>
+            <a:ln w="10795" cap="flat" cmpd="sng" algn="ctr">
+              <a:noFill/>
+              <a:prstDash val="solid"/>
+            </a:ln>
+            <a:effectLst>
+              <a:outerShdw blurRad="190500" dist="38100" dir="2700000" algn="tl" rotWithShape="0">
+                <a:prstClr val="black">
+                  <a:alpha val="25000"/>
+                </a:prstClr>
+              </a:outerShdw>
+            </a:effectLst>
+          </p:spPr>
+          <p:txBody>
+            <a:bodyPr rot="0" spcFirstLastPara="0" vertOverflow="overflow" horzOverflow="overflow" vert="horz" wrap="square" lIns="0" tIns="46637" rIns="0" bIns="46637" numCol="1" spcCol="0" rtlCol="0" fromWordArt="0" anchor="ctr" anchorCtr="0" forceAA="0" compatLnSpc="1">
+              <a:prstTxWarp prst="textNoShape">
+                <a:avLst/>
+              </a:prstTxWarp>
+              <a:noAutofit/>
+            </a:bodyPr>
+            <a:lstStyle/>
+            <a:p>
+              <a:pPr marL="0" marR="0" lvl="0" indent="0" algn="ctr" defTabSz="932472" rtl="0" eaLnBrk="1" fontAlgn="base" latinLnBrk="0" hangingPunct="1">
+                <a:lnSpc>
+                  <a:spcPct val="90000"/>
+                </a:lnSpc>
+                <a:spcBef>
+                  <a:spcPts val="600"/>
+                </a:spcBef>
+                <a:spcAft>
+                  <a:spcPts val="0"/>
+                </a:spcAft>
+                <a:buClrTx/>
+                <a:buSzTx/>
+                <a:buFontTx/>
+                <a:buNone/>
+                <a:tabLst/>
+                <a:defRPr/>
+              </a:pPr>
+              <a:endParaRPr kumimoji="0" lang="en-US" sz="2000" b="0" i="0" u="none" strike="noStrike" kern="0" cap="none" spc="0" normalizeH="0" baseline="0" noProof="0">
+                <a:ln>
+                  <a:noFill/>
+                </a:ln>
+                <a:noFill/>
+                <a:effectLst/>
+                <a:uLnTx/>
+                <a:uFillTx/>
+                <a:latin typeface="Segoe UI Semilight"/>
+                <a:ea typeface="+mn-ea"/>
+                <a:cs typeface="+mn-cs"/>
+              </a:endParaRPr>
+            </a:p>
+          </p:txBody>
+        </p:sp>
+        <p:sp>
+          <p:nvSpPr>
+            <p:cNvPr id="53" name="Rectangle 52">
+              <a:extLst>
+                <a:ext uri="{FF2B5EF4-FFF2-40B4-BE49-F238E27FC236}">
+                  <a16:creationId xmlns:a16="http://schemas.microsoft.com/office/drawing/2014/main" xmlns="" id="{430EC882-362D-5A40-939A-D33B2BD34031}"/>
+                </a:ext>
+              </a:extLst>
+            </p:cNvPr>
+            <p:cNvSpPr/>
+            <p:nvPr/>
+          </p:nvSpPr>
+          <p:spPr>
+            <a:xfrm>
+              <a:off x="1035963" y="4394851"/>
+              <a:ext cx="3232817" cy="443198"/>
+            </a:xfrm>
+            <a:prstGeom prst="rect">
+              <a:avLst/>
+            </a:prstGeom>
+          </p:spPr>
+          <p:txBody>
+            <a:bodyPr wrap="square" lIns="0" tIns="219456" rIns="0" bIns="0">
+              <a:spAutoFit/>
+            </a:bodyPr>
+            <a:lstStyle/>
+            <a:p>
+              <a:pPr marL="0" marR="0" lvl="0" indent="0" algn="ctr" defTabSz="932742" rtl="0" eaLnBrk="1" fontAlgn="auto" latinLnBrk="0" hangingPunct="1">
+                <a:lnSpc>
+                  <a:spcPct val="90000"/>
+                </a:lnSpc>
+                <a:spcBef>
+                  <a:spcPts val="800"/>
+                </a:spcBef>
+                <a:spcAft>
+                  <a:spcPts val="0"/>
+                </a:spcAft>
+                <a:buClrTx/>
+                <a:buSzTx/>
+                <a:buFontTx/>
+                <a:buNone/>
+                <a:tabLst/>
+                <a:defRPr/>
+              </a:pPr>
+              <a:r>
+                <a:rPr kumimoji="0" lang="en-NZ" sz="1600" b="0" i="0" u="none" strike="noStrike" kern="1200" cap="none" spc="0" normalizeH="0" baseline="0" noProof="0" dirty="0">
+                  <a:ln>
+                    <a:noFill/>
+                  </a:ln>
+                  <a:solidFill>
+                    <a:schemeClr val="bg1"/>
+                  </a:solidFill>
+                  <a:effectLst/>
+                  <a:uLnTx/>
+                  <a:uFillTx/>
+                  <a:latin typeface="Segoe UI Semibold"/>
+                  <a:ea typeface="Segoe UI" charset="0"/>
+                  <a:cs typeface="Segoe UI" charset="0"/>
+                </a:rPr>
+                <a:t>Data created in the world per day</a:t>
+              </a:r>
+            </a:p>
+          </p:txBody>
+        </p:sp>
+        <p:sp>
+          <p:nvSpPr>
+            <p:cNvPr id="72" name="Rectangle 71">
+              <a:extLst>
+                <a:ext uri="{FF2B5EF4-FFF2-40B4-BE49-F238E27FC236}">
+                  <a16:creationId xmlns:a16="http://schemas.microsoft.com/office/drawing/2014/main" xmlns="" id="{B89D7CE2-3D26-6148-A6C5-6C14F92D8F0A}"/>
+                </a:ext>
+              </a:extLst>
+            </p:cNvPr>
+            <p:cNvSpPr/>
+            <p:nvPr/>
+          </p:nvSpPr>
+          <p:spPr>
+            <a:xfrm>
+              <a:off x="1498121" y="2172580"/>
+              <a:ext cx="2315057" cy="2031325"/>
+            </a:xfrm>
+            <a:prstGeom prst="rect">
+              <a:avLst/>
+            </a:prstGeom>
+          </p:spPr>
+          <p:txBody>
+            <a:bodyPr wrap="none">
+              <a:spAutoFit/>
+            </a:bodyPr>
+            <a:lstStyle/>
+            <a:p>
+              <a:pPr marL="0" marR="0" lvl="0" indent="0" algn="ctr" defTabSz="914400" rtl="0" eaLnBrk="1" fontAlgn="auto" latinLnBrk="0" hangingPunct="1">
+                <a:lnSpc>
+                  <a:spcPct val="100000"/>
+                </a:lnSpc>
+                <a:spcBef>
+                  <a:spcPts val="0"/>
+                </a:spcBef>
+                <a:spcAft>
+                  <a:spcPts val="0"/>
+                </a:spcAft>
+                <a:buClrTx/>
+                <a:buSzTx/>
+                <a:buFontTx/>
+                <a:buNone/>
+                <a:tabLst/>
+                <a:defRPr/>
+              </a:pPr>
+              <a:r>
+                <a:rPr kumimoji="0" lang="en-US" sz="5400" b="0" i="0" u="none" strike="noStrike" kern="1200" cap="none" spc="0" normalizeH="0" baseline="0" noProof="0" dirty="0">
+                  <a:ln>
+                    <a:noFill/>
+                  </a:ln>
+                  <a:solidFill>
+                    <a:schemeClr val="bg1"/>
+                  </a:solidFill>
+                  <a:effectLst/>
+                  <a:uLnTx/>
+                  <a:uFillTx/>
+                  <a:latin typeface="Segoe UI Semibold"/>
+                  <a:ea typeface="+mn-ea"/>
+                  <a:cs typeface="Segoe UI Semibold" panose="020B0702040204020203" pitchFamily="34" charset="0"/>
+                </a:rPr>
+                <a:t>2.5</a:t>
+              </a:r>
+            </a:p>
+            <a:p>
+              <a:pPr marL="0" marR="0" lvl="0" indent="0" algn="ctr" defTabSz="914400" rtl="0" eaLnBrk="1" fontAlgn="auto" latinLnBrk="0" hangingPunct="1">
+                <a:lnSpc>
+                  <a:spcPct val="100000"/>
+                </a:lnSpc>
+                <a:spcBef>
+                  <a:spcPts val="0"/>
+                </a:spcBef>
+                <a:spcAft>
+                  <a:spcPts val="0"/>
+                </a:spcAft>
+                <a:buClrTx/>
+                <a:buSzTx/>
+                <a:buFontTx/>
+                <a:buNone/>
+                <a:tabLst/>
+                <a:defRPr/>
+              </a:pPr>
+              <a:r>
+                <a:rPr lang="en-US" sz="3600" dirty="0">
+                  <a:solidFill>
+                    <a:schemeClr val="bg1"/>
+                  </a:solidFill>
+                  <a:latin typeface="Segoe UI Semibold"/>
+                  <a:cs typeface="Segoe UI Semibold" panose="020B0702040204020203" pitchFamily="34" charset="0"/>
+                </a:rPr>
+                <a:t>q</a:t>
+              </a:r>
+              <a:r>
+                <a:rPr kumimoji="0" lang="en-US" sz="3600" b="0" i="0" u="none" strike="noStrike" kern="1200" cap="none" spc="0" normalizeH="0" baseline="0" noProof="0" dirty="0" err="1">
+                  <a:ln>
+                    <a:noFill/>
+                  </a:ln>
+                  <a:solidFill>
+                    <a:schemeClr val="bg1"/>
+                  </a:solidFill>
+                  <a:effectLst/>
+                  <a:uLnTx/>
+                  <a:uFillTx/>
+                  <a:latin typeface="Segoe UI Semibold"/>
+                  <a:ea typeface="+mn-ea"/>
+                  <a:cs typeface="Segoe UI Semibold" panose="020B0702040204020203" pitchFamily="34" charset="0"/>
+                </a:rPr>
+                <a:t>uintillion</a:t>
+              </a:r>
+              <a:r>
+                <a:rPr kumimoji="0" lang="en-US" sz="3600" b="0" i="0" u="none" strike="noStrike" kern="1200" cap="none" spc="0" normalizeH="0" baseline="0" noProof="0" dirty="0">
+                  <a:ln>
+                    <a:noFill/>
+                  </a:ln>
+                  <a:solidFill>
+                    <a:schemeClr val="bg1"/>
+                  </a:solidFill>
+                  <a:effectLst/>
+                  <a:uLnTx/>
+                  <a:uFillTx/>
+                  <a:latin typeface="Segoe UI Semibold"/>
+                  <a:ea typeface="+mn-ea"/>
+                  <a:cs typeface="Segoe UI Semibold" panose="020B0702040204020203" pitchFamily="34" charset="0"/>
+                </a:rPr>
+                <a:t/>
+              </a:r>
+              <a:br>
+                <a:rPr kumimoji="0" lang="en-US" sz="3600" b="0" i="0" u="none" strike="noStrike" kern="1200" cap="none" spc="0" normalizeH="0" baseline="0" noProof="0" dirty="0">
+                  <a:ln>
+                    <a:noFill/>
+                  </a:ln>
+                  <a:solidFill>
+                    <a:schemeClr val="bg1"/>
+                  </a:solidFill>
+                  <a:effectLst/>
+                  <a:uLnTx/>
+                  <a:uFillTx/>
+                  <a:latin typeface="Segoe UI Semibold"/>
+                  <a:ea typeface="+mn-ea"/>
+                  <a:cs typeface="Segoe UI Semibold" panose="020B0702040204020203" pitchFamily="34" charset="0"/>
+                </a:rPr>
+              </a:br>
+              <a:r>
+                <a:rPr kumimoji="0" lang="en-US" sz="3600" b="0" i="0" u="none" strike="noStrike" kern="1200" cap="none" spc="0" normalizeH="0" baseline="0" noProof="0" dirty="0">
+                  <a:ln>
+                    <a:noFill/>
+                  </a:ln>
+                  <a:solidFill>
+                    <a:schemeClr val="bg1"/>
+                  </a:solidFill>
+                  <a:effectLst/>
+                  <a:uLnTx/>
+                  <a:uFillTx/>
+                  <a:latin typeface="Segoe UI Semibold"/>
+                  <a:ea typeface="+mn-ea"/>
+                  <a:cs typeface="Segoe UI Semibold" panose="020B0702040204020203" pitchFamily="34" charset="0"/>
+                </a:rPr>
+                <a:t>bytes </a:t>
+              </a:r>
+              <a:endParaRPr kumimoji="0" lang="en-US" sz="3600" b="0" i="0" u="none" strike="noStrike" kern="1200" cap="none" spc="0" normalizeH="0" baseline="0" noProof="0" dirty="0">
+                <a:ln>
+                  <a:noFill/>
+                </a:ln>
+                <a:solidFill>
+                  <a:schemeClr val="bg1"/>
+                </a:solidFill>
+                <a:effectLst/>
+                <a:uLnTx/>
+                <a:uFillTx/>
+                <a:latin typeface="Segoe UI"/>
+                <a:ea typeface="+mn-ea"/>
+              </a:endParaRPr>
+            </a:p>
+          </p:txBody>
+        </p:sp>
+      </p:grpSp>
+      <p:grpSp>
+        <p:nvGrpSpPr>
+          <p:cNvPr id="5" name="Group 4">
+            <a:extLst>
+              <a:ext uri="{FF2B5EF4-FFF2-40B4-BE49-F238E27FC236}">
+                <a16:creationId xmlns:a16="http://schemas.microsoft.com/office/drawing/2014/main" xmlns="" id="{4D4FD8AA-7659-481D-968B-77EA64DE13C5}"/>
+              </a:ext>
+            </a:extLst>
+          </p:cNvPr>
+          <p:cNvGrpSpPr/>
+          <p:nvPr/>
+        </p:nvGrpSpPr>
+        <p:grpSpPr>
+          <a:xfrm>
+            <a:off x="4410685" y="2035961"/>
+            <a:ext cx="3288791" cy="2993685"/>
+            <a:chOff x="4410685" y="2035961"/>
+            <a:chExt cx="3288791" cy="2993685"/>
+          </a:xfrm>
+        </p:grpSpPr>
+        <p:pic>
+          <p:nvPicPr>
+            <p:cNvPr id="58" name="Picture 57">
+              <a:extLst>
+                <a:ext uri="{FF2B5EF4-FFF2-40B4-BE49-F238E27FC236}">
+                  <a16:creationId xmlns:a16="http://schemas.microsoft.com/office/drawing/2014/main" xmlns="" id="{DF108E69-C74F-5948-86DB-48B6108D6572}"/>
+                </a:ext>
+              </a:extLst>
+            </p:cNvPr>
+            <p:cNvPicPr>
+              <a:picLocks noChangeAspect="1"/>
+            </p:cNvPicPr>
+            <p:nvPr/>
+          </p:nvPicPr>
+          <p:blipFill rotWithShape="1">
+            <a:blip r:embed="rId6">
+              <a:extLst>
+                <a:ext uri="{28A0092B-C50C-407E-A947-70E740481C1C}">
+                  <a14:useLocalDpi xmlns:a14="http://schemas.microsoft.com/office/drawing/2010/main" val="0"/>
+                </a:ext>
+              </a:extLst>
+            </a:blip>
+            <a:srcRect/>
+            <a:stretch>
+              <a:fillRect/>
+            </a:stretch>
+          </p:blipFill>
+          <p:spPr>
+            <a:xfrm>
+              <a:off x="4437569" y="2035961"/>
+              <a:ext cx="3256902" cy="2993685"/>
+            </a:xfrm>
+            <a:prstGeom prst="rect">
+              <a:avLst/>
+            </a:prstGeom>
+            <a:solidFill>
+              <a:schemeClr val="bg1">
+                <a:lumMod val="95000"/>
+              </a:schemeClr>
+            </a:solidFill>
+            <a:ln w="10795" cap="flat" cmpd="sng" algn="ctr">
+              <a:noFill/>
+              <a:prstDash val="solid"/>
+            </a:ln>
+            <a:effectLst>
+              <a:outerShdw blurRad="190500" dist="38100" dir="2700000" algn="tl" rotWithShape="0">
+                <a:prstClr val="black">
+                  <a:alpha val="35000"/>
+                </a:prstClr>
+              </a:outerShdw>
+            </a:effectLst>
+          </p:spPr>
+        </p:pic>
+        <p:sp>
+          <p:nvSpPr>
+            <p:cNvPr id="59" name="Rectangle 58">
+              <a:extLst>
+                <a:ext uri="{FF2B5EF4-FFF2-40B4-BE49-F238E27FC236}">
+                  <a16:creationId xmlns:a16="http://schemas.microsoft.com/office/drawing/2014/main" xmlns="" id="{3738A042-4DFB-A14D-B343-710B64CD3314}"/>
+                </a:ext>
+              </a:extLst>
+            </p:cNvPr>
+            <p:cNvSpPr>
+              <a:spLocks/>
+            </p:cNvSpPr>
+            <p:nvPr/>
+          </p:nvSpPr>
+          <p:spPr bwMode="auto">
+            <a:xfrm>
+              <a:off x="4437020" y="2035961"/>
+              <a:ext cx="3258000" cy="2993685"/>
+            </a:xfrm>
+            <a:prstGeom prst="rect">
+              <a:avLst/>
+            </a:prstGeom>
+            <a:solidFill>
+              <a:schemeClr val="tx2">
+                <a:alpha val="85000"/>
+              </a:schemeClr>
+            </a:solidFill>
+            <a:ln w="10795" cap="flat" cmpd="sng" algn="ctr">
+              <a:noFill/>
+              <a:prstDash val="solid"/>
+            </a:ln>
+            <a:effectLst>
+              <a:outerShdw blurRad="190500" dist="38100" dir="2700000" algn="tl" rotWithShape="0">
+                <a:prstClr val="black">
+                  <a:alpha val="25000"/>
+                </a:prstClr>
+              </a:outerShdw>
+            </a:effectLst>
+          </p:spPr>
+          <p:txBody>
+            <a:bodyPr rot="0" spcFirstLastPara="0" vertOverflow="overflow" horzOverflow="overflow" vert="horz" wrap="square" lIns="0" tIns="46637" rIns="0" bIns="46637" numCol="1" spcCol="0" rtlCol="0" fromWordArt="0" anchor="ctr" anchorCtr="0" forceAA="0" compatLnSpc="1">
+              <a:prstTxWarp prst="textNoShape">
+                <a:avLst/>
+              </a:prstTxWarp>
+              <a:noAutofit/>
+            </a:bodyPr>
+            <a:lstStyle/>
+            <a:p>
+              <a:pPr marL="0" marR="0" lvl="0" indent="0" algn="ctr" defTabSz="932472" rtl="0" eaLnBrk="1" fontAlgn="base" latinLnBrk="0" hangingPunct="1">
+                <a:lnSpc>
+                  <a:spcPct val="90000"/>
+                </a:lnSpc>
+                <a:spcBef>
+                  <a:spcPts val="600"/>
+                </a:spcBef>
+                <a:spcAft>
+                  <a:spcPts val="0"/>
+                </a:spcAft>
+                <a:buClrTx/>
+                <a:buSzTx/>
+                <a:buFontTx/>
+                <a:buNone/>
+                <a:tabLst/>
+                <a:defRPr/>
+              </a:pPr>
+              <a:endParaRPr kumimoji="0" lang="en-US" sz="2000" b="0" i="0" u="none" strike="noStrike" kern="0" cap="none" spc="0" normalizeH="0" baseline="0" noProof="0">
+                <a:ln>
+                  <a:noFill/>
+                </a:ln>
+                <a:noFill/>
+                <a:effectLst/>
+                <a:uLnTx/>
+                <a:uFillTx/>
+                <a:latin typeface="Segoe UI Semilight"/>
+                <a:ea typeface="+mn-ea"/>
+                <a:cs typeface="+mn-cs"/>
+              </a:endParaRPr>
+            </a:p>
+          </p:txBody>
+        </p:sp>
+        <p:sp>
+          <p:nvSpPr>
+            <p:cNvPr id="52" name="TextBox 51">
+              <a:extLst>
+                <a:ext uri="{FF2B5EF4-FFF2-40B4-BE49-F238E27FC236}">
+                  <a16:creationId xmlns:a16="http://schemas.microsoft.com/office/drawing/2014/main" xmlns="" id="{AE4B22DA-EE79-B44F-BCA0-548494E2BC0A}"/>
+                </a:ext>
+              </a:extLst>
+            </p:cNvPr>
+            <p:cNvSpPr txBox="1"/>
+            <p:nvPr/>
+          </p:nvSpPr>
+          <p:spPr>
+            <a:xfrm>
+              <a:off x="4410685" y="4394851"/>
+              <a:ext cx="3288791" cy="443198"/>
+            </a:xfrm>
+            <a:prstGeom prst="rect">
+              <a:avLst/>
+            </a:prstGeom>
+            <a:noFill/>
+          </p:spPr>
+          <p:txBody>
+            <a:bodyPr wrap="square" lIns="0" tIns="219456" rIns="0" bIns="0" rtlCol="0">
+              <a:spAutoFit/>
+            </a:bodyPr>
+            <a:lstStyle/>
+            <a:p>
+              <a:pPr marL="0" marR="0" lvl="0" indent="0" algn="ctr" defTabSz="932742" rtl="0" eaLnBrk="1" fontAlgn="base" latinLnBrk="0" hangingPunct="1">
+                <a:lnSpc>
+                  <a:spcPct val="90000"/>
+                </a:lnSpc>
+                <a:spcBef>
+                  <a:spcPts val="800"/>
+                </a:spcBef>
+                <a:spcAft>
+                  <a:spcPct val="0"/>
+                </a:spcAft>
+                <a:buClrTx/>
+                <a:buSzTx/>
+                <a:buFontTx/>
+                <a:buNone/>
+                <a:tabLst/>
+                <a:defRPr/>
+              </a:pPr>
+              <a:r>
+                <a:rPr kumimoji="0" lang="en-NZ" sz="1600" b="0" i="0" u="none" strike="noStrike" kern="1200" cap="none" spc="0" normalizeH="0" baseline="0" noProof="0" dirty="0">
+                  <a:ln>
+                    <a:noFill/>
+                  </a:ln>
+                  <a:solidFill>
+                    <a:schemeClr val="bg1"/>
+                  </a:solidFill>
+                  <a:effectLst/>
+                  <a:uLnTx/>
+                  <a:uFillTx/>
+                  <a:latin typeface="Segoe UI Semibold"/>
+                  <a:ea typeface="Segoe UI" charset="0"/>
+                  <a:cs typeface="Segoe UI" charset="0"/>
+                </a:rPr>
+                <a:t>Percentage of</a:t>
+              </a:r>
+              <a:r>
+                <a:rPr kumimoji="0" lang="en-NZ" sz="1600" b="0" i="0" u="none" strike="noStrike" kern="1200" cap="none" spc="0" normalizeH="0" noProof="0" dirty="0">
+                  <a:ln>
+                    <a:noFill/>
+                  </a:ln>
+                  <a:solidFill>
+                    <a:schemeClr val="bg1"/>
+                  </a:solidFill>
+                  <a:effectLst/>
+                  <a:uLnTx/>
+                  <a:uFillTx/>
+                  <a:latin typeface="Segoe UI Semibold"/>
+                  <a:ea typeface="Segoe UI" charset="0"/>
+                  <a:cs typeface="Segoe UI" charset="0"/>
+                </a:rPr>
+                <a:t> unstructured data</a:t>
+              </a:r>
+              <a:endParaRPr kumimoji="0" lang="en-NZ" sz="1600" b="0" i="0" u="none" strike="noStrike" kern="1200" cap="none" spc="0" normalizeH="0" baseline="0" noProof="0" dirty="0">
+                <a:ln>
+                  <a:noFill/>
+                </a:ln>
+                <a:solidFill>
+                  <a:schemeClr val="bg1"/>
+                </a:solidFill>
+                <a:effectLst/>
+                <a:uLnTx/>
+                <a:uFillTx/>
+                <a:latin typeface="Segoe UI Semibold"/>
+                <a:ea typeface="Segoe UI" charset="0"/>
+                <a:cs typeface="Segoe UI" charset="0"/>
+              </a:endParaRPr>
+            </a:p>
+          </p:txBody>
+        </p:sp>
+        <p:sp>
+          <p:nvSpPr>
+            <p:cNvPr id="73" name="Rectangle 72">
+              <a:extLst>
+                <a:ext uri="{FF2B5EF4-FFF2-40B4-BE49-F238E27FC236}">
+                  <a16:creationId xmlns:a16="http://schemas.microsoft.com/office/drawing/2014/main" xmlns="" id="{5FE45033-23E4-624B-909F-1411649B03F2}"/>
+                </a:ext>
+              </a:extLst>
+            </p:cNvPr>
+            <p:cNvSpPr/>
+            <p:nvPr/>
+          </p:nvSpPr>
+          <p:spPr>
+            <a:xfrm>
+              <a:off x="5303312" y="2871280"/>
+              <a:ext cx="1535998" cy="840230"/>
+            </a:xfrm>
+            <a:prstGeom prst="rect">
+              <a:avLst/>
+            </a:prstGeom>
+          </p:spPr>
+          <p:txBody>
+            <a:bodyPr wrap="none">
+              <a:spAutoFit/>
+            </a:bodyPr>
+            <a:lstStyle/>
+            <a:p>
+              <a:pPr marL="0" marR="0" lvl="0" indent="0" algn="ctr" defTabSz="914400" rtl="0" eaLnBrk="1" fontAlgn="auto" latinLnBrk="0" hangingPunct="1">
+                <a:lnSpc>
+                  <a:spcPct val="90000"/>
+                </a:lnSpc>
+                <a:spcBef>
+                  <a:spcPts val="0"/>
+                </a:spcBef>
+                <a:spcAft>
+                  <a:spcPts val="600"/>
+                </a:spcAft>
+                <a:buClrTx/>
+                <a:buSzTx/>
+                <a:buFontTx/>
+                <a:buNone/>
+                <a:tabLst/>
+                <a:defRPr/>
+              </a:pPr>
+              <a:r>
+                <a:rPr kumimoji="0" lang="en-US" sz="5400" b="0" i="0" u="none" strike="noStrike" kern="1200" cap="none" spc="0" normalizeH="0" baseline="0" noProof="0" dirty="0">
+                  <a:ln>
+                    <a:noFill/>
+                  </a:ln>
+                  <a:solidFill>
+                    <a:schemeClr val="bg1"/>
+                  </a:solidFill>
+                  <a:effectLst/>
+                  <a:uLnTx/>
+                  <a:uFillTx/>
+                  <a:latin typeface="Segoe UI Semibold"/>
+                  <a:ea typeface="+mn-ea"/>
+                  <a:cs typeface="Segoe UI Semibold" panose="020B0702040204020203" pitchFamily="34" charset="0"/>
+                </a:rPr>
+                <a:t>80%</a:t>
+              </a:r>
+            </a:p>
+          </p:txBody>
+        </p:sp>
+      </p:grpSp>
+      <p:grpSp>
+        <p:nvGrpSpPr>
+          <p:cNvPr id="6" name="Group 5">
+            <a:extLst>
+              <a:ext uri="{FF2B5EF4-FFF2-40B4-BE49-F238E27FC236}">
+                <a16:creationId xmlns:a16="http://schemas.microsoft.com/office/drawing/2014/main" xmlns="" id="{51667E89-DE41-4B95-B531-07700C622F08}"/>
+              </a:ext>
+            </a:extLst>
+          </p:cNvPr>
+          <p:cNvGrpSpPr/>
+          <p:nvPr/>
+        </p:nvGrpSpPr>
+        <p:grpSpPr>
+          <a:xfrm>
+            <a:off x="7830871" y="2035960"/>
+            <a:ext cx="3264053" cy="3151467"/>
+            <a:chOff x="7830871" y="2035960"/>
+            <a:chExt cx="3264053" cy="3151467"/>
+          </a:xfrm>
+        </p:grpSpPr>
+        <p:pic>
+          <p:nvPicPr>
+            <p:cNvPr id="70" name="Picture 69">
+              <a:extLst>
+                <a:ext uri="{FF2B5EF4-FFF2-40B4-BE49-F238E27FC236}">
+                  <a16:creationId xmlns:a16="http://schemas.microsoft.com/office/drawing/2014/main" xmlns="" id="{56065A04-7D45-294E-BD4C-46DB660F4FE0}"/>
+                </a:ext>
+              </a:extLst>
+            </p:cNvPr>
+            <p:cNvPicPr>
+              <a:picLocks noChangeAspect="1"/>
+            </p:cNvPicPr>
+            <p:nvPr/>
+          </p:nvPicPr>
+          <p:blipFill rotWithShape="1">
+            <a:blip r:embed="rId7">
+              <a:extLst>
+                <a:ext uri="{28A0092B-C50C-407E-A947-70E740481C1C}">
+                  <a14:useLocalDpi xmlns:a14="http://schemas.microsoft.com/office/drawing/2010/main" val="0"/>
+                </a:ext>
+              </a:extLst>
+            </a:blip>
+            <a:srcRect l="14574" r="2134"/>
+            <a:stretch>
+              <a:fillRect/>
+            </a:stretch>
+          </p:blipFill>
+          <p:spPr>
+            <a:xfrm>
+              <a:off x="7831420" y="2035960"/>
+              <a:ext cx="3256902" cy="2993685"/>
+            </a:xfrm>
+            <a:prstGeom prst="rect">
+              <a:avLst/>
+            </a:prstGeom>
+            <a:solidFill>
+              <a:schemeClr val="bg1">
+                <a:lumMod val="95000"/>
+              </a:schemeClr>
+            </a:solidFill>
+            <a:ln w="10795" cap="flat" cmpd="sng" algn="ctr">
+              <a:noFill/>
+              <a:prstDash val="solid"/>
+            </a:ln>
+            <a:effectLst>
+              <a:outerShdw blurRad="190500" dist="38100" dir="2700000" algn="tl" rotWithShape="0">
+                <a:prstClr val="black">
+                  <a:alpha val="35000"/>
+                </a:prstClr>
+              </a:outerShdw>
+            </a:effectLst>
+          </p:spPr>
+        </p:pic>
+        <p:sp>
+          <p:nvSpPr>
+            <p:cNvPr id="71" name="Rectangle 70">
+              <a:extLst>
+                <a:ext uri="{FF2B5EF4-FFF2-40B4-BE49-F238E27FC236}">
+                  <a16:creationId xmlns:a16="http://schemas.microsoft.com/office/drawing/2014/main" xmlns="" id="{486F1C0D-FC73-2E49-A8E0-6DBE7A261FE0}"/>
+                </a:ext>
+              </a:extLst>
+            </p:cNvPr>
+            <p:cNvSpPr>
+              <a:spLocks/>
+            </p:cNvSpPr>
+            <p:nvPr/>
+          </p:nvSpPr>
+          <p:spPr bwMode="auto">
+            <a:xfrm>
+              <a:off x="7830871" y="2035960"/>
+              <a:ext cx="3258000" cy="2993685"/>
+            </a:xfrm>
+            <a:prstGeom prst="rect">
+              <a:avLst/>
+            </a:prstGeom>
+            <a:solidFill>
+              <a:schemeClr val="tx2">
+                <a:alpha val="85000"/>
+              </a:schemeClr>
+            </a:solidFill>
+            <a:ln w="10795" cap="flat" cmpd="sng" algn="ctr">
+              <a:noFill/>
+              <a:prstDash val="solid"/>
+            </a:ln>
+            <a:effectLst>
+              <a:outerShdw blurRad="190500" dist="38100" dir="2700000" algn="tl" rotWithShape="0">
+                <a:prstClr val="black">
+                  <a:alpha val="25000"/>
+                </a:prstClr>
+              </a:outerShdw>
+            </a:effectLst>
+          </p:spPr>
+          <p:txBody>
+            <a:bodyPr rot="0" spcFirstLastPara="0" vertOverflow="overflow" horzOverflow="overflow" vert="horz" wrap="square" lIns="0" tIns="46637" rIns="0" bIns="46637" numCol="1" spcCol="0" rtlCol="0" fromWordArt="0" anchor="ctr" anchorCtr="0" forceAA="0" compatLnSpc="1">
+              <a:prstTxWarp prst="textNoShape">
+                <a:avLst/>
+              </a:prstTxWarp>
+              <a:noAutofit/>
+            </a:bodyPr>
+            <a:lstStyle/>
+            <a:p>
+              <a:pPr marL="0" marR="0" lvl="0" indent="0" algn="ctr" defTabSz="932472" rtl="0" eaLnBrk="1" fontAlgn="base" latinLnBrk="0" hangingPunct="1">
+                <a:lnSpc>
+                  <a:spcPct val="90000"/>
+                </a:lnSpc>
+                <a:spcBef>
+                  <a:spcPts val="600"/>
+                </a:spcBef>
+                <a:spcAft>
+                  <a:spcPts val="0"/>
+                </a:spcAft>
+                <a:buClrTx/>
+                <a:buSzTx/>
+                <a:buFontTx/>
+                <a:buNone/>
+                <a:tabLst/>
+                <a:defRPr/>
+              </a:pPr>
+              <a:endParaRPr kumimoji="0" lang="en-US" sz="2000" b="0" i="0" u="none" strike="noStrike" kern="0" cap="none" spc="0" normalizeH="0" baseline="0" noProof="0">
+                <a:ln>
+                  <a:noFill/>
+                </a:ln>
+                <a:noFill/>
+                <a:effectLst/>
+                <a:uLnTx/>
+                <a:uFillTx/>
+                <a:latin typeface="Segoe UI Semilight"/>
+                <a:ea typeface="+mn-ea"/>
+                <a:cs typeface="+mn-cs"/>
+              </a:endParaRPr>
+            </a:p>
+          </p:txBody>
+        </p:sp>
+        <p:sp>
+          <p:nvSpPr>
+            <p:cNvPr id="51" name="TextBox 50">
+              <a:extLst>
+                <a:ext uri="{FF2B5EF4-FFF2-40B4-BE49-F238E27FC236}">
+                  <a16:creationId xmlns:a16="http://schemas.microsoft.com/office/drawing/2014/main" xmlns="" id="{6556D7D1-B6AC-8A4C-AB8C-70FB220EFC94}"/>
+                </a:ext>
+              </a:extLst>
+            </p:cNvPr>
+            <p:cNvSpPr txBox="1"/>
+            <p:nvPr/>
+          </p:nvSpPr>
+          <p:spPr>
+            <a:xfrm>
+              <a:off x="7836924" y="3976839"/>
+              <a:ext cx="3258000" cy="1210588"/>
+            </a:xfrm>
+            <a:prstGeom prst="rect">
+              <a:avLst/>
+            </a:prstGeom>
+            <a:noFill/>
+          </p:spPr>
+          <p:txBody>
+            <a:bodyPr wrap="square" lIns="0" tIns="219456" rIns="0" bIns="0" rtlCol="0">
+              <a:spAutoFit/>
+            </a:bodyPr>
+            <a:lstStyle/>
+            <a:p>
+              <a:pPr marL="0" marR="0" lvl="0" indent="0" algn="ctr" defTabSz="932742" rtl="0" eaLnBrk="1" fontAlgn="auto" latinLnBrk="0" hangingPunct="1">
+                <a:lnSpc>
+                  <a:spcPct val="90000"/>
+                </a:lnSpc>
+                <a:spcBef>
+                  <a:spcPts val="800"/>
+                </a:spcBef>
+                <a:spcAft>
+                  <a:spcPts val="0"/>
+                </a:spcAft>
+                <a:buClrTx/>
+                <a:buSzTx/>
+                <a:buFontTx/>
+                <a:buNone/>
+                <a:tabLst/>
+                <a:defRPr/>
+              </a:pPr>
+              <a:r>
+                <a:rPr kumimoji="0" lang="en-NZ" sz="1600" b="0" i="0" u="none" strike="noStrike" kern="1200" cap="none" spc="0" normalizeH="0" baseline="0" noProof="0" dirty="0">
+                  <a:ln>
+                    <a:noFill/>
+                  </a:ln>
+                  <a:solidFill>
+                    <a:schemeClr val="bg1"/>
+                  </a:solidFill>
+                  <a:effectLst/>
+                  <a:uLnTx/>
+                  <a:uFillTx/>
+                  <a:latin typeface="Segoe UI Semibold"/>
+                  <a:ea typeface="Segoe UI" charset="0"/>
+                  <a:cs typeface="Segoe UI" charset="0"/>
+                </a:rPr>
+                <a:t>Productivity lost per knowledge worker each year due to information searches</a:t>
+              </a:r>
+            </a:p>
+            <a:p>
+              <a:pPr marL="0" marR="0" lvl="0" indent="0" algn="l" defTabSz="932742" rtl="0" eaLnBrk="1" fontAlgn="auto" latinLnBrk="0" hangingPunct="1">
+                <a:lnSpc>
+                  <a:spcPct val="90000"/>
+                </a:lnSpc>
+                <a:spcBef>
+                  <a:spcPts val="800"/>
+                </a:spcBef>
+                <a:spcAft>
+                  <a:spcPts val="0"/>
+                </a:spcAft>
+                <a:buClrTx/>
+                <a:buSzTx/>
+                <a:buFontTx/>
+                <a:buNone/>
+                <a:tabLst/>
+                <a:defRPr/>
+              </a:pPr>
+              <a:endParaRPr kumimoji="0" lang="en-NZ" sz="1600" b="0" i="0" u="none" strike="noStrike" kern="1200" cap="none" spc="0" normalizeH="0" baseline="0" noProof="0" dirty="0">
+                <a:ln>
+                  <a:noFill/>
+                </a:ln>
+                <a:solidFill>
+                  <a:schemeClr val="bg1"/>
+                </a:solidFill>
+                <a:effectLst/>
+                <a:uLnTx/>
+                <a:uFillTx/>
+                <a:latin typeface="Segoe UI Semibold"/>
+                <a:ea typeface="Segoe UI" charset="0"/>
+                <a:cs typeface="Segoe UI" charset="0"/>
+              </a:endParaRPr>
+            </a:p>
+          </p:txBody>
+        </p:sp>
+        <p:sp>
+          <p:nvSpPr>
+            <p:cNvPr id="74" name="Rectangle 73">
+              <a:extLst>
+                <a:ext uri="{FF2B5EF4-FFF2-40B4-BE49-F238E27FC236}">
+                  <a16:creationId xmlns:a16="http://schemas.microsoft.com/office/drawing/2014/main" xmlns="" id="{C67EE605-739A-684E-A5F8-7426A01F18B7}"/>
+                </a:ext>
+              </a:extLst>
+            </p:cNvPr>
+            <p:cNvSpPr/>
+            <p:nvPr/>
+          </p:nvSpPr>
+          <p:spPr>
+            <a:xfrm>
+              <a:off x="8084603" y="2729093"/>
+              <a:ext cx="2760692" cy="923330"/>
+            </a:xfrm>
+            <a:prstGeom prst="rect">
+              <a:avLst/>
+            </a:prstGeom>
+          </p:spPr>
+          <p:txBody>
+            <a:bodyPr wrap="none">
+              <a:spAutoFit/>
+            </a:bodyPr>
+            <a:lstStyle/>
+            <a:p>
+              <a:pPr marL="0" marR="0" lvl="0" indent="0" algn="ctr" defTabSz="914400" rtl="0" eaLnBrk="1" fontAlgn="auto" latinLnBrk="0" hangingPunct="1">
+                <a:lnSpc>
+                  <a:spcPct val="100000"/>
+                </a:lnSpc>
+                <a:spcBef>
+                  <a:spcPts val="0"/>
+                </a:spcBef>
+                <a:spcAft>
+                  <a:spcPts val="0"/>
+                </a:spcAft>
+                <a:buClrTx/>
+                <a:buSzTx/>
+                <a:buFontTx/>
+                <a:buNone/>
+                <a:tabLst/>
+                <a:defRPr/>
+              </a:pPr>
+              <a:r>
+                <a:rPr kumimoji="0" lang="en-US" sz="5400" b="0" i="0" u="none" strike="noStrike" kern="1200" cap="none" spc="0" normalizeH="0" baseline="0" noProof="0" dirty="0">
+                  <a:ln>
+                    <a:noFill/>
+                  </a:ln>
+                  <a:solidFill>
+                    <a:schemeClr val="bg1"/>
+                  </a:solidFill>
+                  <a:effectLst/>
+                  <a:uLnTx/>
+                  <a:uFillTx/>
+                  <a:latin typeface="Segoe UI Semibold"/>
+                  <a:ea typeface="+mn-ea"/>
+                  <a:cs typeface="Segoe UI Semibold" panose="020B0702040204020203" pitchFamily="34" charset="0"/>
+                </a:rPr>
+                <a:t>$14,209 </a:t>
+              </a:r>
+              <a:endParaRPr kumimoji="0" lang="en-US" sz="5400" b="0" i="0" u="none" strike="noStrike" kern="1200" cap="none" spc="0" normalizeH="0" baseline="0" noProof="0" dirty="0">
+                <a:ln>
+                  <a:noFill/>
+                </a:ln>
+                <a:solidFill>
+                  <a:schemeClr val="bg1"/>
+                </a:solidFill>
+                <a:effectLst/>
+                <a:uLnTx/>
+                <a:uFillTx/>
+                <a:latin typeface="Segoe UI"/>
+                <a:ea typeface="+mn-ea"/>
+              </a:endParaRPr>
+            </a:p>
+          </p:txBody>
+        </p:sp>
+      </p:grpSp>
+    </p:spTree>
+    <p:extLst>
+      <p:ext uri="{BB962C8B-B14F-4D97-AF65-F5344CB8AC3E}">
+        <p14:creationId xmlns:p14="http://schemas.microsoft.com/office/powerpoint/2010/main" val="3481294768"/>
+      </p:ext>
+    </p:extLst>
+  </p:cSld>
+  <p:clrMapOvr>
+    <a:masterClrMapping/>
+  </p:clrMapOvr>
+  <mc:AlternateContent xmlns:mc="http://schemas.openxmlformats.org/markup-compatibility/2006">
+    <mc:Choice xmlns:p159="http://schemas.microsoft.com/office/powerpoint/2015/09/main" xmlns="" Requires="p159">
+      <p:transition xmlns:p14="http://schemas.microsoft.com/office/powerpoint/2010/main" spd="slow" p14:dur="2000">
+        <p159:morph option="byObject"/>
+      </p:transition>
+    </mc:Choice>
+    <mc:Fallback>
+      <p:transition spd="slow">
+        <p:fade/>
+      </p:transition>
+    </mc:Fallback>
+  </mc:AlternateContent>
+  <p:timing>
+    <p:tnLst>
+      <p:par>
+        <p:cTn id="1" dur="indefinite" restart="never" nodeType="tmRoot">
+          <p:childTnLst>
+            <p:seq concurrent="1" nextAc="seek">
+              <p:cTn id="2" dur="indefinite" nodeType="mainSeq">
+                <p:childTnLst>
+                  <p:par>
+                    <p:cTn id="3" fill="hold">
+                      <p:stCondLst>
+                        <p:cond delay="indefinite"/>
+                      </p:stCondLst>
+                      <p:childTnLst>
+                        <p:par>
+                          <p:cTn id="4" fill="hold">
+                            <p:stCondLst>
+                              <p:cond delay="0"/>
+                            </p:stCondLst>
+                            <p:childTnLst>
+                              <p:par>
+                                <p:cTn id="5" presetID="10" presetClass="entr" presetSubtype="0" fill="hold" nodeType="clickEffect">
+                                  <p:stCondLst>
+                                    <p:cond delay="0"/>
+                                  </p:stCondLst>
+                                  <p:childTnLst>
+                                    <p:set>
+                                      <p:cBhvr>
+                                        <p:cTn id="6" dur="1" fill="hold">
+                                          <p:stCondLst>
+                                            <p:cond delay="0"/>
+                                          </p:stCondLst>
+                                        </p:cTn>
+                                        <p:tgtEl>
+                                          <p:spTgt spid="4"/>
+                                        </p:tgtEl>
+                                        <p:attrNameLst>
+                                          <p:attrName>style.visibility</p:attrName>
+                                        </p:attrNameLst>
+                                      </p:cBhvr>
+                                      <p:to>
+                                        <p:strVal val="visible"/>
+                                      </p:to>
+                                    </p:set>
+                                    <p:animEffect transition="in" filter="fade">
+                                      <p:cBhvr>
+                                        <p:cTn id="7" dur="500"/>
+                                        <p:tgtEl>
+                                          <p:spTgt spid="4"/>
+                                        </p:tgtEl>
+                                      </p:cBhvr>
+                                    </p:animEffect>
+                                  </p:childTnLst>
+                                </p:cTn>
+                              </p:par>
+                            </p:childTnLst>
+                          </p:cTn>
+                        </p:par>
+                      </p:childTnLst>
+                    </p:cTn>
+                  </p:par>
+                  <p:par>
+                    <p:cTn id="8" fill="hold">
+                      <p:stCondLst>
+                        <p:cond delay="indefinite"/>
+                      </p:stCondLst>
+                      <p:childTnLst>
+                        <p:par>
+                          <p:cTn id="9" fill="hold">
+                            <p:stCondLst>
+                              <p:cond delay="0"/>
+                            </p:stCondLst>
+                            <p:childTnLst>
+                              <p:par>
+                                <p:cTn id="10" presetID="10" presetClass="entr" presetSubtype="0" fill="hold" nodeType="clickEffect">
+                                  <p:stCondLst>
+                                    <p:cond delay="0"/>
+                                  </p:stCondLst>
+                                  <p:childTnLst>
+                                    <p:set>
+                                      <p:cBhvr>
+                                        <p:cTn id="11" dur="1" fill="hold">
+                                          <p:stCondLst>
+                                            <p:cond delay="0"/>
+                                          </p:stCondLst>
+                                        </p:cTn>
+                                        <p:tgtEl>
+                                          <p:spTgt spid="5"/>
+                                        </p:tgtEl>
+                                        <p:attrNameLst>
+                                          <p:attrName>style.visibility</p:attrName>
+                                        </p:attrNameLst>
+                                      </p:cBhvr>
+                                      <p:to>
+                                        <p:strVal val="visible"/>
+                                      </p:to>
+                                    </p:set>
+                                    <p:animEffect transition="in" filter="fade">
+                                      <p:cBhvr>
+                                        <p:cTn id="12" dur="500"/>
+                                        <p:tgtEl>
+                                          <p:spTgt spid="5"/>
+                                        </p:tgtEl>
+                                      </p:cBhvr>
+                                    </p:animEffect>
+                                  </p:childTnLst>
+                                </p:cTn>
+                              </p:par>
+                            </p:childTnLst>
+                          </p:cTn>
+                        </p:par>
+                      </p:childTnLst>
+                    </p:cTn>
+                  </p:par>
+                  <p:par>
+                    <p:cTn id="13" fill="hold">
+                      <p:stCondLst>
+                        <p:cond delay="indefinite"/>
+                      </p:stCondLst>
+                      <p:childTnLst>
+                        <p:par>
+                          <p:cTn id="14" fill="hold">
+                            <p:stCondLst>
+                              <p:cond delay="0"/>
+                            </p:stCondLst>
+                            <p:childTnLst>
+                              <p:par>
+                                <p:cTn id="15" presetID="10" presetClass="entr" presetSubtype="0" fill="hold" nodeType="clickEffect">
+                                  <p:stCondLst>
+                                    <p:cond delay="0"/>
+                                  </p:stCondLst>
+                                  <p:childTnLst>
+                                    <p:set>
+                                      <p:cBhvr>
+                                        <p:cTn id="16" dur="1" fill="hold">
+                                          <p:stCondLst>
+                                            <p:cond delay="0"/>
+                                          </p:stCondLst>
+                                        </p:cTn>
+                                        <p:tgtEl>
+                                          <p:spTgt spid="6"/>
+                                        </p:tgtEl>
+                                        <p:attrNameLst>
+                                          <p:attrName>style.visibility</p:attrName>
+                                        </p:attrNameLst>
+                                      </p:cBhvr>
+                                      <p:to>
+                                        <p:strVal val="visible"/>
+                                      </p:to>
+                                    </p:set>
+                                    <p:animEffect transition="in" filter="fade">
+                                      <p:cBhvr>
+                                        <p:cTn id="17" dur="500"/>
+                                        <p:tgtEl>
+                                          <p:spTgt spid="6"/>
+                                        </p:tgtEl>
+                                      </p:cBhvr>
+                                    </p:animEffect>
+                                  </p:childTnLst>
+                                </p:cTn>
+                              </p:par>
+                            </p:childTnLst>
+                          </p:cTn>
+                        </p:par>
+                      </p:childTnLst>
+                    </p:cTn>
+                  </p:par>
+                </p:childTnLst>
+              </p:cTn>
+              <p:prevCondLst>
+                <p:cond evt="onPrev" delay="0">
+                  <p:tgtEl>
+                    <p:sldTgt/>
+                  </p:tgtEl>
+                </p:cond>
+              </p:prevCondLst>
+              <p:nextCondLst>
+                <p:cond evt="onNext" delay="0">
+                  <p:tgtEl>
+                    <p:sldTgt/>
+                  </p:tgtEl>
+                </p:cond>
+              </p:nextCondLst>
+            </p:seq>
+          </p:childTnLst>
+        </p:cTn>
+      </p:par>
+    </p:tnLst>
+  </p:timing>
+</p:sld>
+</file>
+
+<file path=ppt/slides/slide12.xml><?xml version="1.0" encoding="utf-8"?>
+<p:sld xmlns:a="http://schemas.openxmlformats.org/drawingml/2006/main" xmlns:r="http://schemas.openxmlformats.org/officeDocument/2006/relationships" xmlns:p="http://schemas.openxmlformats.org/presentationml/2006/main">
+  <p:cSld>
+    <p:spTree>
+      <p:nvGrpSpPr>
+        <p:cNvPr id="1" name=""/>
+        <p:cNvGrpSpPr/>
+        <p:nvPr/>
+      </p:nvGrpSpPr>
+      <p:grpSpPr>
+        <a:xfrm>
+          <a:off x="0" y="0"/>
+          <a:ext cx="0" cy="0"/>
+          <a:chOff x="0" y="0"/>
+          <a:chExt cx="0" cy="0"/>
+        </a:xfrm>
+      </p:grpSpPr>
+      <p:sp>
+        <p:nvSpPr>
           <p:cNvPr id="2" name="Title 1">
             <a:extLst>
               <a:ext uri="{FF2B5EF4-FFF2-40B4-BE49-F238E27FC236}">
@@ -6350,7 +7887,7 @@
 </p:sld>
 </file>
 
-<file path=ppt/slides/slide11.xml><?xml version="1.0" encoding="utf-8"?>
+<file path=ppt/slides/slide13.xml><?xml version="1.0" encoding="utf-8"?>
 <p:sld xmlns:a="http://schemas.openxmlformats.org/drawingml/2006/main" xmlns:r="http://schemas.openxmlformats.org/officeDocument/2006/relationships" xmlns:p="http://schemas.openxmlformats.org/presentationml/2006/main">
   <p:cSld>
     <p:spTree>
@@ -8090,7 +9627,7 @@
 </p:sld>
 </file>
 
-<file path=ppt/slides/slide12.xml><?xml version="1.0" encoding="utf-8"?>
+<file path=ppt/slides/slide14.xml><?xml version="1.0" encoding="utf-8"?>
 <p:sld xmlns:a="http://schemas.openxmlformats.org/drawingml/2006/main" xmlns:r="http://schemas.openxmlformats.org/officeDocument/2006/relationships" xmlns:p="http://schemas.openxmlformats.org/presentationml/2006/main">
   <p:cSld>
     <p:spTree>
@@ -11711,7 +13248,7 @@
 </p:sld>
 </file>
 
-<file path=ppt/slides/slide13.xml><?xml version="1.0" encoding="utf-8"?>
+<file path=ppt/slides/slide15.xml><?xml version="1.0" encoding="utf-8"?>
 <p:sld xmlns:a="http://schemas.openxmlformats.org/drawingml/2006/main" xmlns:r="http://schemas.openxmlformats.org/officeDocument/2006/relationships" xmlns:p="http://schemas.openxmlformats.org/presentationml/2006/main">
   <p:cSld>
     <p:spTree>
@@ -14371,7 +15908,7 @@
 </p:sld>
 </file>
 
-<file path=ppt/slides/slide14.xml><?xml version="1.0" encoding="utf-8"?>
+<file path=ppt/slides/slide16.xml><?xml version="1.0" encoding="utf-8"?>
 <p:sld xmlns:a="http://schemas.openxmlformats.org/drawingml/2006/main" xmlns:r="http://schemas.openxmlformats.org/officeDocument/2006/relationships" xmlns:p="http://schemas.openxmlformats.org/presentationml/2006/main">
   <p:cSld>
     <p:spTree>
@@ -24927,7 +26464,7 @@
 </p:sld>
 </file>
 
-<file path=ppt/slides/slide15.xml><?xml version="1.0" encoding="utf-8"?>
+<file path=ppt/slides/slide17.xml><?xml version="1.0" encoding="utf-8"?>
 <p:sld xmlns:a="http://schemas.openxmlformats.org/drawingml/2006/main" xmlns:r="http://schemas.openxmlformats.org/officeDocument/2006/relationships" xmlns:p="http://schemas.openxmlformats.org/presentationml/2006/main">
   <p:cSld>
     <p:spTree>
@@ -25042,8 +26579,12 @@
           <a:lstStyle/>
           <a:p>
             <a:r>
+              <a:rPr lang="sv-SE" smtClean="0"/>
+              <a:t>Download the Workshop </a:t>
+            </a:r>
+            <a:r>
               <a:rPr lang="sv-SE" dirty="0" smtClean="0"/>
-              <a:t>Workshop files</a:t>
+              <a:t>files</a:t>
             </a:r>
             <a:endParaRPr lang="da-DK" dirty="0"/>
           </a:p>
@@ -25080,12 +26621,12 @@
           </a:p>
           <a:p>
             <a:r>
-              <a:rPr lang="sv-SE" smtClean="0">
+              <a:rPr lang="sv-SE" dirty="0" smtClean="0">
                 <a:hlinkClick r:id="rId3"/>
               </a:rPr>
               <a:t>https://tiny.cc/cogws</a:t>
             </a:r>
-            <a:endParaRPr lang="sv-SE" smtClean="0"/>
+            <a:endParaRPr lang="sv-SE" dirty="0" smtClean="0"/>
           </a:p>
           <a:p>
             <a:endParaRPr lang="sv-SE" dirty="0" smtClean="0"/>
@@ -25106,6 +26647,87 @@
 </file>
 
 <file path=ppt/slides/slide3.xml><?xml version="1.0" encoding="utf-8"?>
+<p:sld xmlns:a="http://schemas.openxmlformats.org/drawingml/2006/main" xmlns:r="http://schemas.openxmlformats.org/officeDocument/2006/relationships" xmlns:p="http://schemas.openxmlformats.org/presentationml/2006/main">
+  <p:cSld>
+    <p:spTree>
+      <p:nvGrpSpPr>
+        <p:cNvPr id="1" name=""/>
+        <p:cNvGrpSpPr/>
+        <p:nvPr/>
+      </p:nvGrpSpPr>
+      <p:grpSpPr>
+        <a:xfrm>
+          <a:off x="0" y="0"/>
+          <a:ext cx="0" cy="0"/>
+          <a:chOff x="0" y="0"/>
+          <a:chExt cx="0" cy="0"/>
+        </a:xfrm>
+      </p:grpSpPr>
+      <p:sp>
+        <p:nvSpPr>
+          <p:cNvPr id="2" name="Title 1"/>
+          <p:cNvSpPr>
+            <a:spLocks noGrp="1"/>
+          </p:cNvSpPr>
+          <p:nvPr>
+            <p:ph type="title"/>
+          </p:nvPr>
+        </p:nvSpPr>
+        <p:spPr/>
+        <p:txBody>
+          <a:bodyPr/>
+          <a:lstStyle/>
+          <a:p>
+            <a:r>
+              <a:rPr lang="sv-SE" dirty="0" smtClean="0"/>
+              <a:t>AI/Machine Learning/Cognitive Services</a:t>
+            </a:r>
+            <a:endParaRPr lang="da-DK" dirty="0"/>
+          </a:p>
+        </p:txBody>
+      </p:sp>
+      <p:sp>
+        <p:nvSpPr>
+          <p:cNvPr id="3" name="Content Placeholder 2"/>
+          <p:cNvSpPr>
+            <a:spLocks noGrp="1"/>
+          </p:cNvSpPr>
+          <p:nvPr>
+            <p:ph idx="1"/>
+          </p:nvPr>
+        </p:nvSpPr>
+        <p:spPr/>
+        <p:txBody>
+          <a:bodyPr/>
+          <a:lstStyle/>
+          <a:p>
+            <a:r>
+              <a:rPr lang="sv-SE" dirty="0" smtClean="0"/>
+              <a:t>IBM started 2015</a:t>
+            </a:r>
+          </a:p>
+          <a:p>
+            <a:r>
+              <a:rPr lang="sv-SE" dirty="0" smtClean="0"/>
+              <a:t>The rest started in 2016</a:t>
+            </a:r>
+          </a:p>
+        </p:txBody>
+      </p:sp>
+    </p:spTree>
+    <p:extLst>
+      <p:ext uri="{BB962C8B-B14F-4D97-AF65-F5344CB8AC3E}">
+        <p14:creationId xmlns:p14="http://schemas.microsoft.com/office/powerpoint/2010/main" val="946964046"/>
+      </p:ext>
+    </p:extLst>
+  </p:cSld>
+  <p:clrMapOvr>
+    <a:masterClrMapping/>
+  </p:clrMapOvr>
+</p:sld>
+</file>
+
+<file path=ppt/slides/slide4.xml><?xml version="1.0" encoding="utf-8"?>
 <p:sld xmlns:a="http://schemas.openxmlformats.org/drawingml/2006/main" xmlns:r="http://schemas.openxmlformats.org/officeDocument/2006/relationships" xmlns:p="http://schemas.openxmlformats.org/presentationml/2006/main">
   <p:cSld>
     <p:spTree>
@@ -25183,7 +26805,7 @@
 </p:sld>
 </file>
 
-<file path=ppt/slides/slide4.xml><?xml version="1.0" encoding="utf-8"?>
+<file path=ppt/slides/slide5.xml><?xml version="1.0" encoding="utf-8"?>
 <p:sld xmlns:a="http://schemas.openxmlformats.org/drawingml/2006/main" xmlns:r="http://schemas.openxmlformats.org/officeDocument/2006/relationships" xmlns:p="http://schemas.openxmlformats.org/presentationml/2006/main">
   <p:cSld>
     <p:spTree>
@@ -25723,7 +27345,79 @@
 </p:sld>
 </file>
 
-<file path=ppt/slides/slide5.xml><?xml version="1.0" encoding="utf-8"?>
+<file path=ppt/slides/slide6.xml><?xml version="1.0" encoding="utf-8"?>
+<p:sld xmlns:a="http://schemas.openxmlformats.org/drawingml/2006/main" xmlns:r="http://schemas.openxmlformats.org/officeDocument/2006/relationships" xmlns:p="http://schemas.openxmlformats.org/presentationml/2006/main">
+  <p:cSld>
+    <p:spTree>
+      <p:nvGrpSpPr>
+        <p:cNvPr id="1" name=""/>
+        <p:cNvGrpSpPr/>
+        <p:nvPr/>
+      </p:nvGrpSpPr>
+      <p:grpSpPr>
+        <a:xfrm>
+          <a:off x="0" y="0"/>
+          <a:ext cx="0" cy="0"/>
+          <a:chOff x="0" y="0"/>
+          <a:chExt cx="0" cy="0"/>
+        </a:xfrm>
+      </p:grpSpPr>
+      <p:sp>
+        <p:nvSpPr>
+          <p:cNvPr id="2" name="Title 1"/>
+          <p:cNvSpPr>
+            <a:spLocks noGrp="1"/>
+          </p:cNvSpPr>
+          <p:nvPr>
+            <p:ph type="title"/>
+          </p:nvPr>
+        </p:nvSpPr>
+        <p:spPr/>
+        <p:txBody>
+          <a:bodyPr/>
+          <a:lstStyle/>
+          <a:p>
+            <a:r>
+              <a:rPr lang="sv-SE" dirty="0" smtClean="0"/>
+              <a:t>Cucumbers</a:t>
+            </a:r>
+            <a:endParaRPr lang="da-DK" dirty="0"/>
+          </a:p>
+        </p:txBody>
+      </p:sp>
+      <p:sp>
+        <p:nvSpPr>
+          <p:cNvPr id="3" name="Content Placeholder 2"/>
+          <p:cNvSpPr>
+            <a:spLocks noGrp="1"/>
+          </p:cNvSpPr>
+          <p:nvPr>
+            <p:ph idx="1"/>
+          </p:nvPr>
+        </p:nvSpPr>
+        <p:spPr/>
+        <p:txBody>
+          <a:bodyPr/>
+          <a:lstStyle/>
+          <a:p>
+            <a:endParaRPr lang="da-DK"/>
+          </a:p>
+        </p:txBody>
+      </p:sp>
+    </p:spTree>
+    <p:extLst>
+      <p:ext uri="{BB962C8B-B14F-4D97-AF65-F5344CB8AC3E}">
+        <p14:creationId xmlns:p14="http://schemas.microsoft.com/office/powerpoint/2010/main" val="3498071349"/>
+      </p:ext>
+    </p:extLst>
+  </p:cSld>
+  <p:clrMapOvr>
+    <a:masterClrMapping/>
+  </p:clrMapOvr>
+</p:sld>
+</file>
+
+<file path=ppt/slides/slide7.xml><?xml version="1.0" encoding="utf-8"?>
 <p:sld xmlns:a="http://schemas.openxmlformats.org/drawingml/2006/main" xmlns:r="http://schemas.openxmlformats.org/officeDocument/2006/relationships" xmlns:p="http://schemas.openxmlformats.org/presentationml/2006/main">
   <p:cSld>
     <p:spTree>
@@ -25830,7 +27524,7 @@
 </p:sld>
 </file>
 
-<file path=ppt/slides/slide6.xml><?xml version="1.0" encoding="utf-8"?>
+<file path=ppt/slides/slide8.xml><?xml version="1.0" encoding="utf-8"?>
 <p:sld xmlns:a="http://schemas.openxmlformats.org/drawingml/2006/main" xmlns:r="http://schemas.openxmlformats.org/officeDocument/2006/relationships" xmlns:p="http://schemas.openxmlformats.org/presentationml/2006/main">
   <p:cSld>
     <p:spTree>
@@ -25912,8 +27606,30 @@
               <a:rPr lang="da-DK" dirty="0">
                 <a:hlinkClick r:id="rId3"/>
               </a:rPr>
-              <a:t>http://luis.ai</a:t>
+              <a:t>http://</a:t>
             </a:r>
+            <a:r>
+              <a:rPr lang="da-DK" dirty="0" smtClean="0">
+                <a:hlinkClick r:id="rId3"/>
+              </a:rPr>
+              <a:t>luis.ai</a:t>
+            </a:r>
+            <a:endParaRPr lang="da-DK" dirty="0" smtClean="0"/>
+          </a:p>
+          <a:p>
+            <a:r>
+              <a:rPr lang="sv-SE" dirty="0" smtClean="0"/>
+              <a:t>NLP started in the 50s: </a:t>
+            </a:r>
+            <a:r>
+              <a:rPr lang="da-DK" dirty="0" smtClean="0">
+                <a:hlinkClick r:id="rId4"/>
+              </a:rPr>
+              <a:t>https://en.wikipedia.org/wiki/Natural_language_processing</a:t>
+            </a:r>
+            <a:endParaRPr lang="da-DK" dirty="0" smtClean="0"/>
+          </a:p>
+          <a:p>
             <a:endParaRPr lang="da-DK" dirty="0"/>
           </a:p>
         </p:txBody>
@@ -25931,7 +27647,7 @@
 </p:sld>
 </file>
 
-<file path=ppt/slides/slide7.xml><?xml version="1.0" encoding="utf-8"?>
+<file path=ppt/slides/slide9.xml><?xml version="1.0" encoding="utf-8"?>
 <p:sld xmlns:a="http://schemas.openxmlformats.org/drawingml/2006/main" xmlns:r="http://schemas.openxmlformats.org/officeDocument/2006/relationships" xmlns:p="http://schemas.openxmlformats.org/presentationml/2006/main">
   <p:cSld>
     <p:spTree>
@@ -26029,1541 +27745,6 @@
   <p:clrMapOvr>
     <a:masterClrMapping/>
   </p:clrMapOvr>
-</p:sld>
-</file>
-
-<file path=ppt/slides/slide8.xml><?xml version="1.0" encoding="utf-8"?>
-<p:sld xmlns:a="http://schemas.openxmlformats.org/drawingml/2006/main" xmlns:r="http://schemas.openxmlformats.org/officeDocument/2006/relationships" xmlns:p="http://schemas.openxmlformats.org/presentationml/2006/main">
-  <p:cSld>
-    <p:spTree>
-      <p:nvGrpSpPr>
-        <p:cNvPr id="1" name=""/>
-        <p:cNvGrpSpPr/>
-        <p:nvPr/>
-      </p:nvGrpSpPr>
-      <p:grpSpPr>
-        <a:xfrm>
-          <a:off x="0" y="0"/>
-          <a:ext cx="0" cy="0"/>
-          <a:chOff x="0" y="0"/>
-          <a:chExt cx="0" cy="0"/>
-        </a:xfrm>
-      </p:grpSpPr>
-      <p:sp>
-        <p:nvSpPr>
-          <p:cNvPr id="2" name="Title 1"/>
-          <p:cNvSpPr>
-            <a:spLocks noGrp="1"/>
-          </p:cNvSpPr>
-          <p:nvPr>
-            <p:ph type="title"/>
-          </p:nvPr>
-        </p:nvSpPr>
-        <p:spPr/>
-        <p:txBody>
-          <a:bodyPr/>
-          <a:lstStyle/>
-          <a:p>
-            <a:r>
-              <a:rPr lang="sv-SE" dirty="0" smtClean="0"/>
-              <a:t>Azure Search</a:t>
-            </a:r>
-            <a:endParaRPr lang="da-DK" dirty="0"/>
-          </a:p>
-        </p:txBody>
-      </p:sp>
-      <p:sp>
-        <p:nvSpPr>
-          <p:cNvPr id="3" name="Content Placeholder 2"/>
-          <p:cNvSpPr>
-            <a:spLocks noGrp="1"/>
-          </p:cNvSpPr>
-          <p:nvPr>
-            <p:ph idx="1"/>
-          </p:nvPr>
-        </p:nvSpPr>
-        <p:spPr/>
-        <p:txBody>
-          <a:bodyPr/>
-          <a:lstStyle/>
-          <a:p>
-            <a:r>
-              <a:rPr lang="sv-SE" dirty="0" smtClean="0"/>
-              <a:t>Docs: </a:t>
-            </a:r>
-            <a:r>
-              <a:rPr lang="da-DK" dirty="0">
-                <a:hlinkClick r:id="rId2"/>
-              </a:rPr>
-              <a:t>https://docs.microsoft.com/en-us/azure/search</a:t>
-            </a:r>
-            <a:r>
-              <a:rPr lang="da-DK" dirty="0" smtClean="0">
-                <a:hlinkClick r:id="rId2"/>
-              </a:rPr>
-              <a:t>/</a:t>
-            </a:r>
-            <a:endParaRPr lang="da-DK" dirty="0" smtClean="0"/>
-          </a:p>
-          <a:p>
-            <a:r>
-              <a:rPr lang="sv-SE" dirty="0" smtClean="0"/>
-              <a:t>JFK Files: </a:t>
-            </a:r>
-            <a:r>
-              <a:rPr lang="da-DK" dirty="0">
-                <a:hlinkClick r:id="rId3"/>
-              </a:rPr>
-              <a:t>https://jfk-demo.azurewebsites.net/#/</a:t>
-            </a:r>
-            <a:endParaRPr lang="da-DK" dirty="0"/>
-          </a:p>
-        </p:txBody>
-      </p:sp>
-    </p:spTree>
-    <p:extLst>
-      <p:ext uri="{BB962C8B-B14F-4D97-AF65-F5344CB8AC3E}">
-        <p14:creationId xmlns:p14="http://schemas.microsoft.com/office/powerpoint/2010/main" val="3881069000"/>
-      </p:ext>
-    </p:extLst>
-  </p:cSld>
-  <p:clrMapOvr>
-    <a:masterClrMapping/>
-  </p:clrMapOvr>
-</p:sld>
-</file>
-
-<file path=ppt/slides/slide9.xml><?xml version="1.0" encoding="utf-8"?>
-<p:sld xmlns:a="http://schemas.openxmlformats.org/drawingml/2006/main" xmlns:r="http://schemas.openxmlformats.org/officeDocument/2006/relationships" xmlns:p="http://schemas.openxmlformats.org/presentationml/2006/main">
-  <p:cSld>
-    <p:spTree>
-      <p:nvGrpSpPr>
-        <p:cNvPr id="1" name=""/>
-        <p:cNvGrpSpPr/>
-        <p:nvPr/>
-      </p:nvGrpSpPr>
-      <p:grpSpPr>
-        <a:xfrm>
-          <a:off x="0" y="0"/>
-          <a:ext cx="0" cy="0"/>
-          <a:chOff x="0" y="0"/>
-          <a:chExt cx="0" cy="0"/>
-        </a:xfrm>
-      </p:grpSpPr>
-      <p:pic>
-        <p:nvPicPr>
-          <p:cNvPr id="23" name="Picture 22" descr="image001">
-            <a:extLst>
-              <a:ext uri="{FF2B5EF4-FFF2-40B4-BE49-F238E27FC236}">
-                <a16:creationId xmlns:a16="http://schemas.microsoft.com/office/drawing/2014/main" xmlns="" id="{C01007DA-B57E-4A46-9C27-9ECB30C2794D}"/>
-              </a:ext>
-            </a:extLst>
-          </p:cNvPr>
-          <p:cNvPicPr>
-            <a:picLocks noChangeAspect="1" noChangeArrowheads="1"/>
-          </p:cNvPicPr>
-          <p:nvPr/>
-        </p:nvPicPr>
-        <p:blipFill>
-          <a:blip r:embed="rId3">
-            <a:extLst>
-              <a:ext uri="{BEBA8EAE-BF5A-486C-A8C5-ECC9F3942E4B}">
-                <a14:imgProps xmlns:a14="http://schemas.microsoft.com/office/drawing/2010/main">
-                  <a14:imgLayer r:embed="rId4">
-                    <a14:imgEffect>
-                      <a14:artisticBlur/>
-                    </a14:imgEffect>
-                    <a14:imgEffect>
-                      <a14:brightnessContrast bright="-20000"/>
-                    </a14:imgEffect>
-                  </a14:imgLayer>
-                </a14:imgProps>
-              </a:ext>
-              <a:ext uri="{28A0092B-C50C-407E-A947-70E740481C1C}">
-                <a14:useLocalDpi xmlns:a14="http://schemas.microsoft.com/office/drawing/2010/main" val="0"/>
-              </a:ext>
-            </a:extLst>
-          </a:blip>
-          <a:srcRect/>
-          <a:stretch>
-            <a:fillRect/>
-          </a:stretch>
-        </p:blipFill>
-        <p:spPr bwMode="auto">
-          <a:xfrm>
-            <a:off x="-228600" y="-364799"/>
-            <a:ext cx="12548716" cy="7587598"/>
-          </a:xfrm>
-          <a:prstGeom prst="rect">
-            <a:avLst/>
-          </a:prstGeom>
-          <a:noFill/>
-          <a:ln>
-            <a:noFill/>
-          </a:ln>
-          <a:extLst>
-            <a:ext uri="{909E8E84-426E-40DD-AFC4-6F175D3DCCD1}">
-              <a14:hiddenFill xmlns:a14="http://schemas.microsoft.com/office/drawing/2010/main">
-                <a:solidFill>
-                  <a:srgbClr val="FFFFFF"/>
-                </a:solidFill>
-              </a14:hiddenFill>
-            </a:ext>
-            <a:ext uri="{91240B29-F687-4F45-9708-019B960494DF}">
-              <a14:hiddenLine xmlns:a14="http://schemas.microsoft.com/office/drawing/2010/main" w="9525">
-                <a:solidFill>
-                  <a:srgbClr val="000000"/>
-                </a:solidFill>
-                <a:miter lim="800000"/>
-                <a:headEnd/>
-                <a:tailEnd/>
-              </a14:hiddenLine>
-            </a:ext>
-          </a:extLst>
-        </p:spPr>
-      </p:pic>
-      <p:sp>
-        <p:nvSpPr>
-          <p:cNvPr id="24" name="Rectangle 23">
-            <a:extLst>
-              <a:ext uri="{FF2B5EF4-FFF2-40B4-BE49-F238E27FC236}">
-                <a16:creationId xmlns:a16="http://schemas.microsoft.com/office/drawing/2014/main" xmlns="" id="{CF84A404-61CC-4840-AAEC-894993E4551D}"/>
-              </a:ext>
-            </a:extLst>
-          </p:cNvPr>
-          <p:cNvSpPr/>
-          <p:nvPr/>
-        </p:nvSpPr>
-        <p:spPr bwMode="auto">
-          <a:xfrm>
-            <a:off x="-228600" y="-364799"/>
-            <a:ext cx="12548716" cy="7587598"/>
-          </a:xfrm>
-          <a:prstGeom prst="rect">
-            <a:avLst/>
-          </a:prstGeom>
-          <a:solidFill>
-            <a:schemeClr val="tx2">
-              <a:alpha val="59000"/>
-            </a:schemeClr>
-          </a:solidFill>
-          <a:ln>
-            <a:noFill/>
-            <a:headEnd type="none" w="med" len="med"/>
-            <a:tailEnd type="none" w="med" len="med"/>
-          </a:ln>
-          <a:effectLst/>
-        </p:spPr>
-        <p:style>
-          <a:lnRef idx="1">
-            <a:schemeClr val="accent2"/>
-          </a:lnRef>
-          <a:fillRef idx="3">
-            <a:schemeClr val="accent2"/>
-          </a:fillRef>
-          <a:effectRef idx="2">
-            <a:schemeClr val="accent2"/>
-          </a:effectRef>
-          <a:fontRef idx="minor">
-            <a:schemeClr val="lt1"/>
-          </a:fontRef>
-        </p:style>
-        <p:txBody>
-          <a:bodyPr rot="0" spcFirstLastPara="0" vertOverflow="overflow" horzOverflow="overflow" vert="horz" wrap="square" lIns="182880" tIns="146304" rIns="182880" bIns="146304" numCol="1" spcCol="0" rtlCol="0" fromWordArt="0" anchor="t" anchorCtr="0" forceAA="0" compatLnSpc="1">
-            <a:prstTxWarp prst="textNoShape">
-              <a:avLst/>
-            </a:prstTxWarp>
-            <a:noAutofit/>
-          </a:bodyPr>
-          <a:lstStyle/>
-          <a:p>
-            <a:pPr marL="0" marR="0" lvl="0" indent="0" algn="l" defTabSz="932472" rtl="0" eaLnBrk="1" fontAlgn="base" latinLnBrk="0" hangingPunct="1">
-              <a:lnSpc>
-                <a:spcPct val="100000"/>
-              </a:lnSpc>
-              <a:spcBef>
-                <a:spcPct val="0"/>
-              </a:spcBef>
-              <a:spcAft>
-                <a:spcPct val="0"/>
-              </a:spcAft>
-              <a:buClrTx/>
-              <a:buSzTx/>
-              <a:buFontTx/>
-              <a:buNone/>
-              <a:tabLst/>
-              <a:defRPr/>
-            </a:pPr>
-            <a:endParaRPr kumimoji="0" lang="en-US" sz="2000" b="0" i="0" u="none" strike="noStrike" kern="1200" cap="none" spc="0" normalizeH="0" baseline="0" noProof="0" err="1">
-              <a:ln>
-                <a:noFill/>
-              </a:ln>
-              <a:gradFill>
-                <a:gsLst>
-                  <a:gs pos="0">
-                    <a:srgbClr val="FFFFFF"/>
-                  </a:gs>
-                  <a:gs pos="100000">
-                    <a:srgbClr val="FFFFFF"/>
-                  </a:gs>
-                </a:gsLst>
-                <a:lin ang="5400000" scaled="0"/>
-              </a:gradFill>
-              <a:effectLst/>
-              <a:uLnTx/>
-              <a:uFillTx/>
-              <a:latin typeface="Segoe UI"/>
-              <a:ea typeface="Segoe UI" pitchFamily="34" charset="0"/>
-              <a:cs typeface="Segoe UI" pitchFamily="34" charset="0"/>
-            </a:endParaRPr>
-          </a:p>
-        </p:txBody>
-      </p:sp>
-      <p:grpSp>
-        <p:nvGrpSpPr>
-          <p:cNvPr id="4" name="Group 3">
-            <a:extLst>
-              <a:ext uri="{FF2B5EF4-FFF2-40B4-BE49-F238E27FC236}">
-                <a16:creationId xmlns:a16="http://schemas.microsoft.com/office/drawing/2014/main" xmlns="" id="{D67154C3-C533-4DF9-AD1C-7B4BF2C7C13C}"/>
-              </a:ext>
-            </a:extLst>
-          </p:cNvPr>
-          <p:cNvGrpSpPr/>
-          <p:nvPr/>
-        </p:nvGrpSpPr>
-        <p:grpSpPr>
-          <a:xfrm>
-            <a:off x="1027200" y="2035960"/>
-            <a:ext cx="3258000" cy="2995200"/>
-            <a:chOff x="1027200" y="2035960"/>
-            <a:chExt cx="3258000" cy="2995200"/>
-          </a:xfrm>
-        </p:grpSpPr>
-        <p:pic>
-          <p:nvPicPr>
-            <p:cNvPr id="55" name="Picture 54">
-              <a:extLst>
-                <a:ext uri="{FF2B5EF4-FFF2-40B4-BE49-F238E27FC236}">
-                  <a16:creationId xmlns:a16="http://schemas.microsoft.com/office/drawing/2014/main" xmlns="" id="{61DA6B62-168B-074E-85FC-31CA91D068FB}"/>
-                </a:ext>
-              </a:extLst>
-            </p:cNvPr>
-            <p:cNvPicPr>
-              <a:picLocks/>
-            </p:cNvPicPr>
-            <p:nvPr/>
-          </p:nvPicPr>
-          <p:blipFill rotWithShape="1">
-            <a:blip r:embed="rId5">
-              <a:extLst>
-                <a:ext uri="{28A0092B-C50C-407E-A947-70E740481C1C}">
-                  <a14:useLocalDpi xmlns:a14="http://schemas.microsoft.com/office/drawing/2010/main" val="0"/>
-                </a:ext>
-              </a:extLst>
-            </a:blip>
-            <a:srcRect l="8178" r="8735"/>
-            <a:stretch>
-              <a:fillRect/>
-            </a:stretch>
-          </p:blipFill>
-          <p:spPr>
-            <a:xfrm>
-              <a:off x="1027200" y="2035960"/>
-              <a:ext cx="3258000" cy="2995196"/>
-            </a:xfrm>
-            <a:prstGeom prst="rect">
-              <a:avLst/>
-            </a:prstGeom>
-            <a:solidFill>
-              <a:schemeClr val="bg1">
-                <a:lumMod val="95000"/>
-              </a:schemeClr>
-            </a:solidFill>
-            <a:ln w="10795" cap="flat" cmpd="sng" algn="ctr">
-              <a:noFill/>
-              <a:prstDash val="solid"/>
-            </a:ln>
-            <a:effectLst>
-              <a:outerShdw blurRad="190500" dist="38100" dir="2700000" algn="tl" rotWithShape="0">
-                <a:prstClr val="black">
-                  <a:alpha val="35000"/>
-                </a:prstClr>
-              </a:outerShdw>
-            </a:effectLst>
-          </p:spPr>
-        </p:pic>
-        <p:sp>
-          <p:nvSpPr>
-            <p:cNvPr id="56" name="Rectangle 55">
-              <a:extLst>
-                <a:ext uri="{FF2B5EF4-FFF2-40B4-BE49-F238E27FC236}">
-                  <a16:creationId xmlns:a16="http://schemas.microsoft.com/office/drawing/2014/main" xmlns="" id="{E7AA2203-2AC9-014C-B34C-1E0E1D6B68CD}"/>
-                </a:ext>
-              </a:extLst>
-            </p:cNvPr>
-            <p:cNvSpPr>
-              <a:spLocks/>
-            </p:cNvSpPr>
-            <p:nvPr/>
-          </p:nvSpPr>
-          <p:spPr bwMode="auto">
-            <a:xfrm>
-              <a:off x="1027200" y="2035960"/>
-              <a:ext cx="3258000" cy="2995200"/>
-            </a:xfrm>
-            <a:prstGeom prst="rect">
-              <a:avLst/>
-            </a:prstGeom>
-            <a:solidFill>
-              <a:schemeClr val="tx2">
-                <a:alpha val="84706"/>
-              </a:schemeClr>
-            </a:solidFill>
-            <a:ln w="10795" cap="flat" cmpd="sng" algn="ctr">
-              <a:noFill/>
-              <a:prstDash val="solid"/>
-            </a:ln>
-            <a:effectLst>
-              <a:outerShdw blurRad="190500" dist="38100" dir="2700000" algn="tl" rotWithShape="0">
-                <a:prstClr val="black">
-                  <a:alpha val="25000"/>
-                </a:prstClr>
-              </a:outerShdw>
-            </a:effectLst>
-          </p:spPr>
-          <p:txBody>
-            <a:bodyPr rot="0" spcFirstLastPara="0" vertOverflow="overflow" horzOverflow="overflow" vert="horz" wrap="square" lIns="0" tIns="46637" rIns="0" bIns="46637" numCol="1" spcCol="0" rtlCol="0" fromWordArt="0" anchor="ctr" anchorCtr="0" forceAA="0" compatLnSpc="1">
-              <a:prstTxWarp prst="textNoShape">
-                <a:avLst/>
-              </a:prstTxWarp>
-              <a:noAutofit/>
-            </a:bodyPr>
-            <a:lstStyle/>
-            <a:p>
-              <a:pPr marL="0" marR="0" lvl="0" indent="0" algn="ctr" defTabSz="932472" rtl="0" eaLnBrk="1" fontAlgn="base" latinLnBrk="0" hangingPunct="1">
-                <a:lnSpc>
-                  <a:spcPct val="90000"/>
-                </a:lnSpc>
-                <a:spcBef>
-                  <a:spcPts val="600"/>
-                </a:spcBef>
-                <a:spcAft>
-                  <a:spcPts val="0"/>
-                </a:spcAft>
-                <a:buClrTx/>
-                <a:buSzTx/>
-                <a:buFontTx/>
-                <a:buNone/>
-                <a:tabLst/>
-                <a:defRPr/>
-              </a:pPr>
-              <a:endParaRPr kumimoji="0" lang="en-US" sz="2000" b="0" i="0" u="none" strike="noStrike" kern="0" cap="none" spc="0" normalizeH="0" baseline="0" noProof="0">
-                <a:ln>
-                  <a:noFill/>
-                </a:ln>
-                <a:noFill/>
-                <a:effectLst/>
-                <a:uLnTx/>
-                <a:uFillTx/>
-                <a:latin typeface="Segoe UI Semilight"/>
-                <a:ea typeface="+mn-ea"/>
-                <a:cs typeface="+mn-cs"/>
-              </a:endParaRPr>
-            </a:p>
-          </p:txBody>
-        </p:sp>
-        <p:sp>
-          <p:nvSpPr>
-            <p:cNvPr id="53" name="Rectangle 52">
-              <a:extLst>
-                <a:ext uri="{FF2B5EF4-FFF2-40B4-BE49-F238E27FC236}">
-                  <a16:creationId xmlns:a16="http://schemas.microsoft.com/office/drawing/2014/main" xmlns="" id="{430EC882-362D-5A40-939A-D33B2BD34031}"/>
-                </a:ext>
-              </a:extLst>
-            </p:cNvPr>
-            <p:cNvSpPr/>
-            <p:nvPr/>
-          </p:nvSpPr>
-          <p:spPr>
-            <a:xfrm>
-              <a:off x="1035963" y="4394851"/>
-              <a:ext cx="3232817" cy="443198"/>
-            </a:xfrm>
-            <a:prstGeom prst="rect">
-              <a:avLst/>
-            </a:prstGeom>
-          </p:spPr>
-          <p:txBody>
-            <a:bodyPr wrap="square" lIns="0" tIns="219456" rIns="0" bIns="0">
-              <a:spAutoFit/>
-            </a:bodyPr>
-            <a:lstStyle/>
-            <a:p>
-              <a:pPr marL="0" marR="0" lvl="0" indent="0" algn="ctr" defTabSz="932742" rtl="0" eaLnBrk="1" fontAlgn="auto" latinLnBrk="0" hangingPunct="1">
-                <a:lnSpc>
-                  <a:spcPct val="90000"/>
-                </a:lnSpc>
-                <a:spcBef>
-                  <a:spcPts val="800"/>
-                </a:spcBef>
-                <a:spcAft>
-                  <a:spcPts val="0"/>
-                </a:spcAft>
-                <a:buClrTx/>
-                <a:buSzTx/>
-                <a:buFontTx/>
-                <a:buNone/>
-                <a:tabLst/>
-                <a:defRPr/>
-              </a:pPr>
-              <a:r>
-                <a:rPr kumimoji="0" lang="en-NZ" sz="1600" b="0" i="0" u="none" strike="noStrike" kern="1200" cap="none" spc="0" normalizeH="0" baseline="0" noProof="0" dirty="0">
-                  <a:ln>
-                    <a:noFill/>
-                  </a:ln>
-                  <a:solidFill>
-                    <a:schemeClr val="bg1"/>
-                  </a:solidFill>
-                  <a:effectLst/>
-                  <a:uLnTx/>
-                  <a:uFillTx/>
-                  <a:latin typeface="Segoe UI Semibold"/>
-                  <a:ea typeface="Segoe UI" charset="0"/>
-                  <a:cs typeface="Segoe UI" charset="0"/>
-                </a:rPr>
-                <a:t>Data created in the world per day</a:t>
-              </a:r>
-            </a:p>
-          </p:txBody>
-        </p:sp>
-        <p:sp>
-          <p:nvSpPr>
-            <p:cNvPr id="72" name="Rectangle 71">
-              <a:extLst>
-                <a:ext uri="{FF2B5EF4-FFF2-40B4-BE49-F238E27FC236}">
-                  <a16:creationId xmlns:a16="http://schemas.microsoft.com/office/drawing/2014/main" xmlns="" id="{B89D7CE2-3D26-6148-A6C5-6C14F92D8F0A}"/>
-                </a:ext>
-              </a:extLst>
-            </p:cNvPr>
-            <p:cNvSpPr/>
-            <p:nvPr/>
-          </p:nvSpPr>
-          <p:spPr>
-            <a:xfrm>
-              <a:off x="1498121" y="2172580"/>
-              <a:ext cx="2315057" cy="2031325"/>
-            </a:xfrm>
-            <a:prstGeom prst="rect">
-              <a:avLst/>
-            </a:prstGeom>
-          </p:spPr>
-          <p:txBody>
-            <a:bodyPr wrap="none">
-              <a:spAutoFit/>
-            </a:bodyPr>
-            <a:lstStyle/>
-            <a:p>
-              <a:pPr marL="0" marR="0" lvl="0" indent="0" algn="ctr" defTabSz="914400" rtl="0" eaLnBrk="1" fontAlgn="auto" latinLnBrk="0" hangingPunct="1">
-                <a:lnSpc>
-                  <a:spcPct val="100000"/>
-                </a:lnSpc>
-                <a:spcBef>
-                  <a:spcPts val="0"/>
-                </a:spcBef>
-                <a:spcAft>
-                  <a:spcPts val="0"/>
-                </a:spcAft>
-                <a:buClrTx/>
-                <a:buSzTx/>
-                <a:buFontTx/>
-                <a:buNone/>
-                <a:tabLst/>
-                <a:defRPr/>
-              </a:pPr>
-              <a:r>
-                <a:rPr kumimoji="0" lang="en-US" sz="5400" b="0" i="0" u="none" strike="noStrike" kern="1200" cap="none" spc="0" normalizeH="0" baseline="0" noProof="0" dirty="0">
-                  <a:ln>
-                    <a:noFill/>
-                  </a:ln>
-                  <a:solidFill>
-                    <a:schemeClr val="bg1"/>
-                  </a:solidFill>
-                  <a:effectLst/>
-                  <a:uLnTx/>
-                  <a:uFillTx/>
-                  <a:latin typeface="Segoe UI Semibold"/>
-                  <a:ea typeface="+mn-ea"/>
-                  <a:cs typeface="Segoe UI Semibold" panose="020B0702040204020203" pitchFamily="34" charset="0"/>
-                </a:rPr>
-                <a:t>2.5</a:t>
-              </a:r>
-            </a:p>
-            <a:p>
-              <a:pPr marL="0" marR="0" lvl="0" indent="0" algn="ctr" defTabSz="914400" rtl="0" eaLnBrk="1" fontAlgn="auto" latinLnBrk="0" hangingPunct="1">
-                <a:lnSpc>
-                  <a:spcPct val="100000"/>
-                </a:lnSpc>
-                <a:spcBef>
-                  <a:spcPts val="0"/>
-                </a:spcBef>
-                <a:spcAft>
-                  <a:spcPts val="0"/>
-                </a:spcAft>
-                <a:buClrTx/>
-                <a:buSzTx/>
-                <a:buFontTx/>
-                <a:buNone/>
-                <a:tabLst/>
-                <a:defRPr/>
-              </a:pPr>
-              <a:r>
-                <a:rPr lang="en-US" sz="3600" dirty="0">
-                  <a:solidFill>
-                    <a:schemeClr val="bg1"/>
-                  </a:solidFill>
-                  <a:latin typeface="Segoe UI Semibold"/>
-                  <a:cs typeface="Segoe UI Semibold" panose="020B0702040204020203" pitchFamily="34" charset="0"/>
-                </a:rPr>
-                <a:t>q</a:t>
-              </a:r>
-              <a:r>
-                <a:rPr kumimoji="0" lang="en-US" sz="3600" b="0" i="0" u="none" strike="noStrike" kern="1200" cap="none" spc="0" normalizeH="0" baseline="0" noProof="0" dirty="0" err="1">
-                  <a:ln>
-                    <a:noFill/>
-                  </a:ln>
-                  <a:solidFill>
-                    <a:schemeClr val="bg1"/>
-                  </a:solidFill>
-                  <a:effectLst/>
-                  <a:uLnTx/>
-                  <a:uFillTx/>
-                  <a:latin typeface="Segoe UI Semibold"/>
-                  <a:ea typeface="+mn-ea"/>
-                  <a:cs typeface="Segoe UI Semibold" panose="020B0702040204020203" pitchFamily="34" charset="0"/>
-                </a:rPr>
-                <a:t>uintillion</a:t>
-              </a:r>
-              <a:r>
-                <a:rPr kumimoji="0" lang="en-US" sz="3600" b="0" i="0" u="none" strike="noStrike" kern="1200" cap="none" spc="0" normalizeH="0" baseline="0" noProof="0" dirty="0">
-                  <a:ln>
-                    <a:noFill/>
-                  </a:ln>
-                  <a:solidFill>
-                    <a:schemeClr val="bg1"/>
-                  </a:solidFill>
-                  <a:effectLst/>
-                  <a:uLnTx/>
-                  <a:uFillTx/>
-                  <a:latin typeface="Segoe UI Semibold"/>
-                  <a:ea typeface="+mn-ea"/>
-                  <a:cs typeface="Segoe UI Semibold" panose="020B0702040204020203" pitchFamily="34" charset="0"/>
-                </a:rPr>
-                <a:t/>
-              </a:r>
-              <a:br>
-                <a:rPr kumimoji="0" lang="en-US" sz="3600" b="0" i="0" u="none" strike="noStrike" kern="1200" cap="none" spc="0" normalizeH="0" baseline="0" noProof="0" dirty="0">
-                  <a:ln>
-                    <a:noFill/>
-                  </a:ln>
-                  <a:solidFill>
-                    <a:schemeClr val="bg1"/>
-                  </a:solidFill>
-                  <a:effectLst/>
-                  <a:uLnTx/>
-                  <a:uFillTx/>
-                  <a:latin typeface="Segoe UI Semibold"/>
-                  <a:ea typeface="+mn-ea"/>
-                  <a:cs typeface="Segoe UI Semibold" panose="020B0702040204020203" pitchFamily="34" charset="0"/>
-                </a:rPr>
-              </a:br>
-              <a:r>
-                <a:rPr kumimoji="0" lang="en-US" sz="3600" b="0" i="0" u="none" strike="noStrike" kern="1200" cap="none" spc="0" normalizeH="0" baseline="0" noProof="0" dirty="0">
-                  <a:ln>
-                    <a:noFill/>
-                  </a:ln>
-                  <a:solidFill>
-                    <a:schemeClr val="bg1"/>
-                  </a:solidFill>
-                  <a:effectLst/>
-                  <a:uLnTx/>
-                  <a:uFillTx/>
-                  <a:latin typeface="Segoe UI Semibold"/>
-                  <a:ea typeface="+mn-ea"/>
-                  <a:cs typeface="Segoe UI Semibold" panose="020B0702040204020203" pitchFamily="34" charset="0"/>
-                </a:rPr>
-                <a:t>bytes </a:t>
-              </a:r>
-              <a:endParaRPr kumimoji="0" lang="en-US" sz="3600" b="0" i="0" u="none" strike="noStrike" kern="1200" cap="none" spc="0" normalizeH="0" baseline="0" noProof="0" dirty="0">
-                <a:ln>
-                  <a:noFill/>
-                </a:ln>
-                <a:solidFill>
-                  <a:schemeClr val="bg1"/>
-                </a:solidFill>
-                <a:effectLst/>
-                <a:uLnTx/>
-                <a:uFillTx/>
-                <a:latin typeface="Segoe UI"/>
-                <a:ea typeface="+mn-ea"/>
-              </a:endParaRPr>
-            </a:p>
-          </p:txBody>
-        </p:sp>
-      </p:grpSp>
-      <p:grpSp>
-        <p:nvGrpSpPr>
-          <p:cNvPr id="5" name="Group 4">
-            <a:extLst>
-              <a:ext uri="{FF2B5EF4-FFF2-40B4-BE49-F238E27FC236}">
-                <a16:creationId xmlns:a16="http://schemas.microsoft.com/office/drawing/2014/main" xmlns="" id="{4D4FD8AA-7659-481D-968B-77EA64DE13C5}"/>
-              </a:ext>
-            </a:extLst>
-          </p:cNvPr>
-          <p:cNvGrpSpPr/>
-          <p:nvPr/>
-        </p:nvGrpSpPr>
-        <p:grpSpPr>
-          <a:xfrm>
-            <a:off x="4410685" y="2035961"/>
-            <a:ext cx="3288791" cy="2993685"/>
-            <a:chOff x="4410685" y="2035961"/>
-            <a:chExt cx="3288791" cy="2993685"/>
-          </a:xfrm>
-        </p:grpSpPr>
-        <p:pic>
-          <p:nvPicPr>
-            <p:cNvPr id="58" name="Picture 57">
-              <a:extLst>
-                <a:ext uri="{FF2B5EF4-FFF2-40B4-BE49-F238E27FC236}">
-                  <a16:creationId xmlns:a16="http://schemas.microsoft.com/office/drawing/2014/main" xmlns="" id="{DF108E69-C74F-5948-86DB-48B6108D6572}"/>
-                </a:ext>
-              </a:extLst>
-            </p:cNvPr>
-            <p:cNvPicPr>
-              <a:picLocks noChangeAspect="1"/>
-            </p:cNvPicPr>
-            <p:nvPr/>
-          </p:nvPicPr>
-          <p:blipFill rotWithShape="1">
-            <a:blip r:embed="rId6">
-              <a:extLst>
-                <a:ext uri="{28A0092B-C50C-407E-A947-70E740481C1C}">
-                  <a14:useLocalDpi xmlns:a14="http://schemas.microsoft.com/office/drawing/2010/main" val="0"/>
-                </a:ext>
-              </a:extLst>
-            </a:blip>
-            <a:srcRect/>
-            <a:stretch>
-              <a:fillRect/>
-            </a:stretch>
-          </p:blipFill>
-          <p:spPr>
-            <a:xfrm>
-              <a:off x="4437569" y="2035961"/>
-              <a:ext cx="3256902" cy="2993685"/>
-            </a:xfrm>
-            <a:prstGeom prst="rect">
-              <a:avLst/>
-            </a:prstGeom>
-            <a:solidFill>
-              <a:schemeClr val="bg1">
-                <a:lumMod val="95000"/>
-              </a:schemeClr>
-            </a:solidFill>
-            <a:ln w="10795" cap="flat" cmpd="sng" algn="ctr">
-              <a:noFill/>
-              <a:prstDash val="solid"/>
-            </a:ln>
-            <a:effectLst>
-              <a:outerShdw blurRad="190500" dist="38100" dir="2700000" algn="tl" rotWithShape="0">
-                <a:prstClr val="black">
-                  <a:alpha val="35000"/>
-                </a:prstClr>
-              </a:outerShdw>
-            </a:effectLst>
-          </p:spPr>
-        </p:pic>
-        <p:sp>
-          <p:nvSpPr>
-            <p:cNvPr id="59" name="Rectangle 58">
-              <a:extLst>
-                <a:ext uri="{FF2B5EF4-FFF2-40B4-BE49-F238E27FC236}">
-                  <a16:creationId xmlns:a16="http://schemas.microsoft.com/office/drawing/2014/main" xmlns="" id="{3738A042-4DFB-A14D-B343-710B64CD3314}"/>
-                </a:ext>
-              </a:extLst>
-            </p:cNvPr>
-            <p:cNvSpPr>
-              <a:spLocks/>
-            </p:cNvSpPr>
-            <p:nvPr/>
-          </p:nvSpPr>
-          <p:spPr bwMode="auto">
-            <a:xfrm>
-              <a:off x="4437020" y="2035961"/>
-              <a:ext cx="3258000" cy="2993685"/>
-            </a:xfrm>
-            <a:prstGeom prst="rect">
-              <a:avLst/>
-            </a:prstGeom>
-            <a:solidFill>
-              <a:schemeClr val="tx2">
-                <a:alpha val="85000"/>
-              </a:schemeClr>
-            </a:solidFill>
-            <a:ln w="10795" cap="flat" cmpd="sng" algn="ctr">
-              <a:noFill/>
-              <a:prstDash val="solid"/>
-            </a:ln>
-            <a:effectLst>
-              <a:outerShdw blurRad="190500" dist="38100" dir="2700000" algn="tl" rotWithShape="0">
-                <a:prstClr val="black">
-                  <a:alpha val="25000"/>
-                </a:prstClr>
-              </a:outerShdw>
-            </a:effectLst>
-          </p:spPr>
-          <p:txBody>
-            <a:bodyPr rot="0" spcFirstLastPara="0" vertOverflow="overflow" horzOverflow="overflow" vert="horz" wrap="square" lIns="0" tIns="46637" rIns="0" bIns="46637" numCol="1" spcCol="0" rtlCol="0" fromWordArt="0" anchor="ctr" anchorCtr="0" forceAA="0" compatLnSpc="1">
-              <a:prstTxWarp prst="textNoShape">
-                <a:avLst/>
-              </a:prstTxWarp>
-              <a:noAutofit/>
-            </a:bodyPr>
-            <a:lstStyle/>
-            <a:p>
-              <a:pPr marL="0" marR="0" lvl="0" indent="0" algn="ctr" defTabSz="932472" rtl="0" eaLnBrk="1" fontAlgn="base" latinLnBrk="0" hangingPunct="1">
-                <a:lnSpc>
-                  <a:spcPct val="90000"/>
-                </a:lnSpc>
-                <a:spcBef>
-                  <a:spcPts val="600"/>
-                </a:spcBef>
-                <a:spcAft>
-                  <a:spcPts val="0"/>
-                </a:spcAft>
-                <a:buClrTx/>
-                <a:buSzTx/>
-                <a:buFontTx/>
-                <a:buNone/>
-                <a:tabLst/>
-                <a:defRPr/>
-              </a:pPr>
-              <a:endParaRPr kumimoji="0" lang="en-US" sz="2000" b="0" i="0" u="none" strike="noStrike" kern="0" cap="none" spc="0" normalizeH="0" baseline="0" noProof="0">
-                <a:ln>
-                  <a:noFill/>
-                </a:ln>
-                <a:noFill/>
-                <a:effectLst/>
-                <a:uLnTx/>
-                <a:uFillTx/>
-                <a:latin typeface="Segoe UI Semilight"/>
-                <a:ea typeface="+mn-ea"/>
-                <a:cs typeface="+mn-cs"/>
-              </a:endParaRPr>
-            </a:p>
-          </p:txBody>
-        </p:sp>
-        <p:sp>
-          <p:nvSpPr>
-            <p:cNvPr id="52" name="TextBox 51">
-              <a:extLst>
-                <a:ext uri="{FF2B5EF4-FFF2-40B4-BE49-F238E27FC236}">
-                  <a16:creationId xmlns:a16="http://schemas.microsoft.com/office/drawing/2014/main" xmlns="" id="{AE4B22DA-EE79-B44F-BCA0-548494E2BC0A}"/>
-                </a:ext>
-              </a:extLst>
-            </p:cNvPr>
-            <p:cNvSpPr txBox="1"/>
-            <p:nvPr/>
-          </p:nvSpPr>
-          <p:spPr>
-            <a:xfrm>
-              <a:off x="4410685" y="4394851"/>
-              <a:ext cx="3288791" cy="443198"/>
-            </a:xfrm>
-            <a:prstGeom prst="rect">
-              <a:avLst/>
-            </a:prstGeom>
-            <a:noFill/>
-          </p:spPr>
-          <p:txBody>
-            <a:bodyPr wrap="square" lIns="0" tIns="219456" rIns="0" bIns="0" rtlCol="0">
-              <a:spAutoFit/>
-            </a:bodyPr>
-            <a:lstStyle/>
-            <a:p>
-              <a:pPr marL="0" marR="0" lvl="0" indent="0" algn="ctr" defTabSz="932742" rtl="0" eaLnBrk="1" fontAlgn="base" latinLnBrk="0" hangingPunct="1">
-                <a:lnSpc>
-                  <a:spcPct val="90000"/>
-                </a:lnSpc>
-                <a:spcBef>
-                  <a:spcPts val="800"/>
-                </a:spcBef>
-                <a:spcAft>
-                  <a:spcPct val="0"/>
-                </a:spcAft>
-                <a:buClrTx/>
-                <a:buSzTx/>
-                <a:buFontTx/>
-                <a:buNone/>
-                <a:tabLst/>
-                <a:defRPr/>
-              </a:pPr>
-              <a:r>
-                <a:rPr kumimoji="0" lang="en-NZ" sz="1600" b="0" i="0" u="none" strike="noStrike" kern="1200" cap="none" spc="0" normalizeH="0" baseline="0" noProof="0" dirty="0">
-                  <a:ln>
-                    <a:noFill/>
-                  </a:ln>
-                  <a:solidFill>
-                    <a:schemeClr val="bg1"/>
-                  </a:solidFill>
-                  <a:effectLst/>
-                  <a:uLnTx/>
-                  <a:uFillTx/>
-                  <a:latin typeface="Segoe UI Semibold"/>
-                  <a:ea typeface="Segoe UI" charset="0"/>
-                  <a:cs typeface="Segoe UI" charset="0"/>
-                </a:rPr>
-                <a:t>Percentage of</a:t>
-              </a:r>
-              <a:r>
-                <a:rPr kumimoji="0" lang="en-NZ" sz="1600" b="0" i="0" u="none" strike="noStrike" kern="1200" cap="none" spc="0" normalizeH="0" noProof="0" dirty="0">
-                  <a:ln>
-                    <a:noFill/>
-                  </a:ln>
-                  <a:solidFill>
-                    <a:schemeClr val="bg1"/>
-                  </a:solidFill>
-                  <a:effectLst/>
-                  <a:uLnTx/>
-                  <a:uFillTx/>
-                  <a:latin typeface="Segoe UI Semibold"/>
-                  <a:ea typeface="Segoe UI" charset="0"/>
-                  <a:cs typeface="Segoe UI" charset="0"/>
-                </a:rPr>
-                <a:t> unstructured data</a:t>
-              </a:r>
-              <a:endParaRPr kumimoji="0" lang="en-NZ" sz="1600" b="0" i="0" u="none" strike="noStrike" kern="1200" cap="none" spc="0" normalizeH="0" baseline="0" noProof="0" dirty="0">
-                <a:ln>
-                  <a:noFill/>
-                </a:ln>
-                <a:solidFill>
-                  <a:schemeClr val="bg1"/>
-                </a:solidFill>
-                <a:effectLst/>
-                <a:uLnTx/>
-                <a:uFillTx/>
-                <a:latin typeface="Segoe UI Semibold"/>
-                <a:ea typeface="Segoe UI" charset="0"/>
-                <a:cs typeface="Segoe UI" charset="0"/>
-              </a:endParaRPr>
-            </a:p>
-          </p:txBody>
-        </p:sp>
-        <p:sp>
-          <p:nvSpPr>
-            <p:cNvPr id="73" name="Rectangle 72">
-              <a:extLst>
-                <a:ext uri="{FF2B5EF4-FFF2-40B4-BE49-F238E27FC236}">
-                  <a16:creationId xmlns:a16="http://schemas.microsoft.com/office/drawing/2014/main" xmlns="" id="{5FE45033-23E4-624B-909F-1411649B03F2}"/>
-                </a:ext>
-              </a:extLst>
-            </p:cNvPr>
-            <p:cNvSpPr/>
-            <p:nvPr/>
-          </p:nvSpPr>
-          <p:spPr>
-            <a:xfrm>
-              <a:off x="5303312" y="2871280"/>
-              <a:ext cx="1535998" cy="840230"/>
-            </a:xfrm>
-            <a:prstGeom prst="rect">
-              <a:avLst/>
-            </a:prstGeom>
-          </p:spPr>
-          <p:txBody>
-            <a:bodyPr wrap="none">
-              <a:spAutoFit/>
-            </a:bodyPr>
-            <a:lstStyle/>
-            <a:p>
-              <a:pPr marL="0" marR="0" lvl="0" indent="0" algn="ctr" defTabSz="914400" rtl="0" eaLnBrk="1" fontAlgn="auto" latinLnBrk="0" hangingPunct="1">
-                <a:lnSpc>
-                  <a:spcPct val="90000"/>
-                </a:lnSpc>
-                <a:spcBef>
-                  <a:spcPts val="0"/>
-                </a:spcBef>
-                <a:spcAft>
-                  <a:spcPts val="600"/>
-                </a:spcAft>
-                <a:buClrTx/>
-                <a:buSzTx/>
-                <a:buFontTx/>
-                <a:buNone/>
-                <a:tabLst/>
-                <a:defRPr/>
-              </a:pPr>
-              <a:r>
-                <a:rPr kumimoji="0" lang="en-US" sz="5400" b="0" i="0" u="none" strike="noStrike" kern="1200" cap="none" spc="0" normalizeH="0" baseline="0" noProof="0" dirty="0">
-                  <a:ln>
-                    <a:noFill/>
-                  </a:ln>
-                  <a:solidFill>
-                    <a:schemeClr val="bg1"/>
-                  </a:solidFill>
-                  <a:effectLst/>
-                  <a:uLnTx/>
-                  <a:uFillTx/>
-                  <a:latin typeface="Segoe UI Semibold"/>
-                  <a:ea typeface="+mn-ea"/>
-                  <a:cs typeface="Segoe UI Semibold" panose="020B0702040204020203" pitchFamily="34" charset="0"/>
-                </a:rPr>
-                <a:t>80%</a:t>
-              </a:r>
-            </a:p>
-          </p:txBody>
-        </p:sp>
-      </p:grpSp>
-      <p:grpSp>
-        <p:nvGrpSpPr>
-          <p:cNvPr id="6" name="Group 5">
-            <a:extLst>
-              <a:ext uri="{FF2B5EF4-FFF2-40B4-BE49-F238E27FC236}">
-                <a16:creationId xmlns:a16="http://schemas.microsoft.com/office/drawing/2014/main" xmlns="" id="{51667E89-DE41-4B95-B531-07700C622F08}"/>
-              </a:ext>
-            </a:extLst>
-          </p:cNvPr>
-          <p:cNvGrpSpPr/>
-          <p:nvPr/>
-        </p:nvGrpSpPr>
-        <p:grpSpPr>
-          <a:xfrm>
-            <a:off x="7830871" y="2035960"/>
-            <a:ext cx="3264053" cy="3151467"/>
-            <a:chOff x="7830871" y="2035960"/>
-            <a:chExt cx="3264053" cy="3151467"/>
-          </a:xfrm>
-        </p:grpSpPr>
-        <p:pic>
-          <p:nvPicPr>
-            <p:cNvPr id="70" name="Picture 69">
-              <a:extLst>
-                <a:ext uri="{FF2B5EF4-FFF2-40B4-BE49-F238E27FC236}">
-                  <a16:creationId xmlns:a16="http://schemas.microsoft.com/office/drawing/2014/main" xmlns="" id="{56065A04-7D45-294E-BD4C-46DB660F4FE0}"/>
-                </a:ext>
-              </a:extLst>
-            </p:cNvPr>
-            <p:cNvPicPr>
-              <a:picLocks noChangeAspect="1"/>
-            </p:cNvPicPr>
-            <p:nvPr/>
-          </p:nvPicPr>
-          <p:blipFill rotWithShape="1">
-            <a:blip r:embed="rId7">
-              <a:extLst>
-                <a:ext uri="{28A0092B-C50C-407E-A947-70E740481C1C}">
-                  <a14:useLocalDpi xmlns:a14="http://schemas.microsoft.com/office/drawing/2010/main" val="0"/>
-                </a:ext>
-              </a:extLst>
-            </a:blip>
-            <a:srcRect l="14574" r="2134"/>
-            <a:stretch>
-              <a:fillRect/>
-            </a:stretch>
-          </p:blipFill>
-          <p:spPr>
-            <a:xfrm>
-              <a:off x="7831420" y="2035960"/>
-              <a:ext cx="3256902" cy="2993685"/>
-            </a:xfrm>
-            <a:prstGeom prst="rect">
-              <a:avLst/>
-            </a:prstGeom>
-            <a:solidFill>
-              <a:schemeClr val="bg1">
-                <a:lumMod val="95000"/>
-              </a:schemeClr>
-            </a:solidFill>
-            <a:ln w="10795" cap="flat" cmpd="sng" algn="ctr">
-              <a:noFill/>
-              <a:prstDash val="solid"/>
-            </a:ln>
-            <a:effectLst>
-              <a:outerShdw blurRad="190500" dist="38100" dir="2700000" algn="tl" rotWithShape="0">
-                <a:prstClr val="black">
-                  <a:alpha val="35000"/>
-                </a:prstClr>
-              </a:outerShdw>
-            </a:effectLst>
-          </p:spPr>
-        </p:pic>
-        <p:sp>
-          <p:nvSpPr>
-            <p:cNvPr id="71" name="Rectangle 70">
-              <a:extLst>
-                <a:ext uri="{FF2B5EF4-FFF2-40B4-BE49-F238E27FC236}">
-                  <a16:creationId xmlns:a16="http://schemas.microsoft.com/office/drawing/2014/main" xmlns="" id="{486F1C0D-FC73-2E49-A8E0-6DBE7A261FE0}"/>
-                </a:ext>
-              </a:extLst>
-            </p:cNvPr>
-            <p:cNvSpPr>
-              <a:spLocks/>
-            </p:cNvSpPr>
-            <p:nvPr/>
-          </p:nvSpPr>
-          <p:spPr bwMode="auto">
-            <a:xfrm>
-              <a:off x="7830871" y="2035960"/>
-              <a:ext cx="3258000" cy="2993685"/>
-            </a:xfrm>
-            <a:prstGeom prst="rect">
-              <a:avLst/>
-            </a:prstGeom>
-            <a:solidFill>
-              <a:schemeClr val="tx2">
-                <a:alpha val="85000"/>
-              </a:schemeClr>
-            </a:solidFill>
-            <a:ln w="10795" cap="flat" cmpd="sng" algn="ctr">
-              <a:noFill/>
-              <a:prstDash val="solid"/>
-            </a:ln>
-            <a:effectLst>
-              <a:outerShdw blurRad="190500" dist="38100" dir="2700000" algn="tl" rotWithShape="0">
-                <a:prstClr val="black">
-                  <a:alpha val="25000"/>
-                </a:prstClr>
-              </a:outerShdw>
-            </a:effectLst>
-          </p:spPr>
-          <p:txBody>
-            <a:bodyPr rot="0" spcFirstLastPara="0" vertOverflow="overflow" horzOverflow="overflow" vert="horz" wrap="square" lIns="0" tIns="46637" rIns="0" bIns="46637" numCol="1" spcCol="0" rtlCol="0" fromWordArt="0" anchor="ctr" anchorCtr="0" forceAA="0" compatLnSpc="1">
-              <a:prstTxWarp prst="textNoShape">
-                <a:avLst/>
-              </a:prstTxWarp>
-              <a:noAutofit/>
-            </a:bodyPr>
-            <a:lstStyle/>
-            <a:p>
-              <a:pPr marL="0" marR="0" lvl="0" indent="0" algn="ctr" defTabSz="932472" rtl="0" eaLnBrk="1" fontAlgn="base" latinLnBrk="0" hangingPunct="1">
-                <a:lnSpc>
-                  <a:spcPct val="90000"/>
-                </a:lnSpc>
-                <a:spcBef>
-                  <a:spcPts val="600"/>
-                </a:spcBef>
-                <a:spcAft>
-                  <a:spcPts val="0"/>
-                </a:spcAft>
-                <a:buClrTx/>
-                <a:buSzTx/>
-                <a:buFontTx/>
-                <a:buNone/>
-                <a:tabLst/>
-                <a:defRPr/>
-              </a:pPr>
-              <a:endParaRPr kumimoji="0" lang="en-US" sz="2000" b="0" i="0" u="none" strike="noStrike" kern="0" cap="none" spc="0" normalizeH="0" baseline="0" noProof="0">
-                <a:ln>
-                  <a:noFill/>
-                </a:ln>
-                <a:noFill/>
-                <a:effectLst/>
-                <a:uLnTx/>
-                <a:uFillTx/>
-                <a:latin typeface="Segoe UI Semilight"/>
-                <a:ea typeface="+mn-ea"/>
-                <a:cs typeface="+mn-cs"/>
-              </a:endParaRPr>
-            </a:p>
-          </p:txBody>
-        </p:sp>
-        <p:sp>
-          <p:nvSpPr>
-            <p:cNvPr id="51" name="TextBox 50">
-              <a:extLst>
-                <a:ext uri="{FF2B5EF4-FFF2-40B4-BE49-F238E27FC236}">
-                  <a16:creationId xmlns:a16="http://schemas.microsoft.com/office/drawing/2014/main" xmlns="" id="{6556D7D1-B6AC-8A4C-AB8C-70FB220EFC94}"/>
-                </a:ext>
-              </a:extLst>
-            </p:cNvPr>
-            <p:cNvSpPr txBox="1"/>
-            <p:nvPr/>
-          </p:nvSpPr>
-          <p:spPr>
-            <a:xfrm>
-              <a:off x="7836924" y="3976839"/>
-              <a:ext cx="3258000" cy="1210588"/>
-            </a:xfrm>
-            <a:prstGeom prst="rect">
-              <a:avLst/>
-            </a:prstGeom>
-            <a:noFill/>
-          </p:spPr>
-          <p:txBody>
-            <a:bodyPr wrap="square" lIns="0" tIns="219456" rIns="0" bIns="0" rtlCol="0">
-              <a:spAutoFit/>
-            </a:bodyPr>
-            <a:lstStyle/>
-            <a:p>
-              <a:pPr marL="0" marR="0" lvl="0" indent="0" algn="ctr" defTabSz="932742" rtl="0" eaLnBrk="1" fontAlgn="auto" latinLnBrk="0" hangingPunct="1">
-                <a:lnSpc>
-                  <a:spcPct val="90000"/>
-                </a:lnSpc>
-                <a:spcBef>
-                  <a:spcPts val="800"/>
-                </a:spcBef>
-                <a:spcAft>
-                  <a:spcPts val="0"/>
-                </a:spcAft>
-                <a:buClrTx/>
-                <a:buSzTx/>
-                <a:buFontTx/>
-                <a:buNone/>
-                <a:tabLst/>
-                <a:defRPr/>
-              </a:pPr>
-              <a:r>
-                <a:rPr kumimoji="0" lang="en-NZ" sz="1600" b="0" i="0" u="none" strike="noStrike" kern="1200" cap="none" spc="0" normalizeH="0" baseline="0" noProof="0" dirty="0">
-                  <a:ln>
-                    <a:noFill/>
-                  </a:ln>
-                  <a:solidFill>
-                    <a:schemeClr val="bg1"/>
-                  </a:solidFill>
-                  <a:effectLst/>
-                  <a:uLnTx/>
-                  <a:uFillTx/>
-                  <a:latin typeface="Segoe UI Semibold"/>
-                  <a:ea typeface="Segoe UI" charset="0"/>
-                  <a:cs typeface="Segoe UI" charset="0"/>
-                </a:rPr>
-                <a:t>Productivity lost per knowledge worker each year due to information searches</a:t>
-              </a:r>
-            </a:p>
-            <a:p>
-              <a:pPr marL="0" marR="0" lvl="0" indent="0" algn="l" defTabSz="932742" rtl="0" eaLnBrk="1" fontAlgn="auto" latinLnBrk="0" hangingPunct="1">
-                <a:lnSpc>
-                  <a:spcPct val="90000"/>
-                </a:lnSpc>
-                <a:spcBef>
-                  <a:spcPts val="800"/>
-                </a:spcBef>
-                <a:spcAft>
-                  <a:spcPts val="0"/>
-                </a:spcAft>
-                <a:buClrTx/>
-                <a:buSzTx/>
-                <a:buFontTx/>
-                <a:buNone/>
-                <a:tabLst/>
-                <a:defRPr/>
-              </a:pPr>
-              <a:endParaRPr kumimoji="0" lang="en-NZ" sz="1600" b="0" i="0" u="none" strike="noStrike" kern="1200" cap="none" spc="0" normalizeH="0" baseline="0" noProof="0" dirty="0">
-                <a:ln>
-                  <a:noFill/>
-                </a:ln>
-                <a:solidFill>
-                  <a:schemeClr val="bg1"/>
-                </a:solidFill>
-                <a:effectLst/>
-                <a:uLnTx/>
-                <a:uFillTx/>
-                <a:latin typeface="Segoe UI Semibold"/>
-                <a:ea typeface="Segoe UI" charset="0"/>
-                <a:cs typeface="Segoe UI" charset="0"/>
-              </a:endParaRPr>
-            </a:p>
-          </p:txBody>
-        </p:sp>
-        <p:sp>
-          <p:nvSpPr>
-            <p:cNvPr id="74" name="Rectangle 73">
-              <a:extLst>
-                <a:ext uri="{FF2B5EF4-FFF2-40B4-BE49-F238E27FC236}">
-                  <a16:creationId xmlns:a16="http://schemas.microsoft.com/office/drawing/2014/main" xmlns="" id="{C67EE605-739A-684E-A5F8-7426A01F18B7}"/>
-                </a:ext>
-              </a:extLst>
-            </p:cNvPr>
-            <p:cNvSpPr/>
-            <p:nvPr/>
-          </p:nvSpPr>
-          <p:spPr>
-            <a:xfrm>
-              <a:off x="8084603" y="2729093"/>
-              <a:ext cx="2760692" cy="923330"/>
-            </a:xfrm>
-            <a:prstGeom prst="rect">
-              <a:avLst/>
-            </a:prstGeom>
-          </p:spPr>
-          <p:txBody>
-            <a:bodyPr wrap="none">
-              <a:spAutoFit/>
-            </a:bodyPr>
-            <a:lstStyle/>
-            <a:p>
-              <a:pPr marL="0" marR="0" lvl="0" indent="0" algn="ctr" defTabSz="914400" rtl="0" eaLnBrk="1" fontAlgn="auto" latinLnBrk="0" hangingPunct="1">
-                <a:lnSpc>
-                  <a:spcPct val="100000"/>
-                </a:lnSpc>
-                <a:spcBef>
-                  <a:spcPts val="0"/>
-                </a:spcBef>
-                <a:spcAft>
-                  <a:spcPts val="0"/>
-                </a:spcAft>
-                <a:buClrTx/>
-                <a:buSzTx/>
-                <a:buFontTx/>
-                <a:buNone/>
-                <a:tabLst/>
-                <a:defRPr/>
-              </a:pPr>
-              <a:r>
-                <a:rPr kumimoji="0" lang="en-US" sz="5400" b="0" i="0" u="none" strike="noStrike" kern="1200" cap="none" spc="0" normalizeH="0" baseline="0" noProof="0" dirty="0">
-                  <a:ln>
-                    <a:noFill/>
-                  </a:ln>
-                  <a:solidFill>
-                    <a:schemeClr val="bg1"/>
-                  </a:solidFill>
-                  <a:effectLst/>
-                  <a:uLnTx/>
-                  <a:uFillTx/>
-                  <a:latin typeface="Segoe UI Semibold"/>
-                  <a:ea typeface="+mn-ea"/>
-                  <a:cs typeface="Segoe UI Semibold" panose="020B0702040204020203" pitchFamily="34" charset="0"/>
-                </a:rPr>
-                <a:t>$14,209 </a:t>
-              </a:r>
-              <a:endParaRPr kumimoji="0" lang="en-US" sz="5400" b="0" i="0" u="none" strike="noStrike" kern="1200" cap="none" spc="0" normalizeH="0" baseline="0" noProof="0" dirty="0">
-                <a:ln>
-                  <a:noFill/>
-                </a:ln>
-                <a:solidFill>
-                  <a:schemeClr val="bg1"/>
-                </a:solidFill>
-                <a:effectLst/>
-                <a:uLnTx/>
-                <a:uFillTx/>
-                <a:latin typeface="Segoe UI"/>
-                <a:ea typeface="+mn-ea"/>
-              </a:endParaRPr>
-            </a:p>
-          </p:txBody>
-        </p:sp>
-      </p:grpSp>
-    </p:spTree>
-    <p:extLst>
-      <p:ext uri="{BB962C8B-B14F-4D97-AF65-F5344CB8AC3E}">
-        <p14:creationId xmlns:p14="http://schemas.microsoft.com/office/powerpoint/2010/main" val="3481294768"/>
-      </p:ext>
-    </p:extLst>
-  </p:cSld>
-  <p:clrMapOvr>
-    <a:masterClrMapping/>
-  </p:clrMapOvr>
-  <mc:AlternateContent xmlns:mc="http://schemas.openxmlformats.org/markup-compatibility/2006">
-    <mc:Choice xmlns:p159="http://schemas.microsoft.com/office/powerpoint/2015/09/main" xmlns="" Requires="p159">
-      <p:transition xmlns:p14="http://schemas.microsoft.com/office/powerpoint/2010/main" spd="slow" p14:dur="2000">
-        <p159:morph option="byObject"/>
-      </p:transition>
-    </mc:Choice>
-    <mc:Fallback>
-      <p:transition spd="slow">
-        <p:fade/>
-      </p:transition>
-    </mc:Fallback>
-  </mc:AlternateContent>
-  <p:timing>
-    <p:tnLst>
-      <p:par>
-        <p:cTn id="1" dur="indefinite" restart="never" nodeType="tmRoot">
-          <p:childTnLst>
-            <p:seq concurrent="1" nextAc="seek">
-              <p:cTn id="2" dur="indefinite" nodeType="mainSeq">
-                <p:childTnLst>
-                  <p:par>
-                    <p:cTn id="3" fill="hold">
-                      <p:stCondLst>
-                        <p:cond delay="indefinite"/>
-                      </p:stCondLst>
-                      <p:childTnLst>
-                        <p:par>
-                          <p:cTn id="4" fill="hold">
-                            <p:stCondLst>
-                              <p:cond delay="0"/>
-                            </p:stCondLst>
-                            <p:childTnLst>
-                              <p:par>
-                                <p:cTn id="5" presetID="10" presetClass="entr" presetSubtype="0" fill="hold" nodeType="clickEffect">
-                                  <p:stCondLst>
-                                    <p:cond delay="0"/>
-                                  </p:stCondLst>
-                                  <p:childTnLst>
-                                    <p:set>
-                                      <p:cBhvr>
-                                        <p:cTn id="6" dur="1" fill="hold">
-                                          <p:stCondLst>
-                                            <p:cond delay="0"/>
-                                          </p:stCondLst>
-                                        </p:cTn>
-                                        <p:tgtEl>
-                                          <p:spTgt spid="4"/>
-                                        </p:tgtEl>
-                                        <p:attrNameLst>
-                                          <p:attrName>style.visibility</p:attrName>
-                                        </p:attrNameLst>
-                                      </p:cBhvr>
-                                      <p:to>
-                                        <p:strVal val="visible"/>
-                                      </p:to>
-                                    </p:set>
-                                    <p:animEffect transition="in" filter="fade">
-                                      <p:cBhvr>
-                                        <p:cTn id="7" dur="500"/>
-                                        <p:tgtEl>
-                                          <p:spTgt spid="4"/>
-                                        </p:tgtEl>
-                                      </p:cBhvr>
-                                    </p:animEffect>
-                                  </p:childTnLst>
-                                </p:cTn>
-                              </p:par>
-                            </p:childTnLst>
-                          </p:cTn>
-                        </p:par>
-                      </p:childTnLst>
-                    </p:cTn>
-                  </p:par>
-                  <p:par>
-                    <p:cTn id="8" fill="hold">
-                      <p:stCondLst>
-                        <p:cond delay="indefinite"/>
-                      </p:stCondLst>
-                      <p:childTnLst>
-                        <p:par>
-                          <p:cTn id="9" fill="hold">
-                            <p:stCondLst>
-                              <p:cond delay="0"/>
-                            </p:stCondLst>
-                            <p:childTnLst>
-                              <p:par>
-                                <p:cTn id="10" presetID="10" presetClass="entr" presetSubtype="0" fill="hold" nodeType="clickEffect">
-                                  <p:stCondLst>
-                                    <p:cond delay="0"/>
-                                  </p:stCondLst>
-                                  <p:childTnLst>
-                                    <p:set>
-                                      <p:cBhvr>
-                                        <p:cTn id="11" dur="1" fill="hold">
-                                          <p:stCondLst>
-                                            <p:cond delay="0"/>
-                                          </p:stCondLst>
-                                        </p:cTn>
-                                        <p:tgtEl>
-                                          <p:spTgt spid="5"/>
-                                        </p:tgtEl>
-                                        <p:attrNameLst>
-                                          <p:attrName>style.visibility</p:attrName>
-                                        </p:attrNameLst>
-                                      </p:cBhvr>
-                                      <p:to>
-                                        <p:strVal val="visible"/>
-                                      </p:to>
-                                    </p:set>
-                                    <p:animEffect transition="in" filter="fade">
-                                      <p:cBhvr>
-                                        <p:cTn id="12" dur="500"/>
-                                        <p:tgtEl>
-                                          <p:spTgt spid="5"/>
-                                        </p:tgtEl>
-                                      </p:cBhvr>
-                                    </p:animEffect>
-                                  </p:childTnLst>
-                                </p:cTn>
-                              </p:par>
-                            </p:childTnLst>
-                          </p:cTn>
-                        </p:par>
-                      </p:childTnLst>
-                    </p:cTn>
-                  </p:par>
-                  <p:par>
-                    <p:cTn id="13" fill="hold">
-                      <p:stCondLst>
-                        <p:cond delay="indefinite"/>
-                      </p:stCondLst>
-                      <p:childTnLst>
-                        <p:par>
-                          <p:cTn id="14" fill="hold">
-                            <p:stCondLst>
-                              <p:cond delay="0"/>
-                            </p:stCondLst>
-                            <p:childTnLst>
-                              <p:par>
-                                <p:cTn id="15" presetID="10" presetClass="entr" presetSubtype="0" fill="hold" nodeType="clickEffect">
-                                  <p:stCondLst>
-                                    <p:cond delay="0"/>
-                                  </p:stCondLst>
-                                  <p:childTnLst>
-                                    <p:set>
-                                      <p:cBhvr>
-                                        <p:cTn id="16" dur="1" fill="hold">
-                                          <p:stCondLst>
-                                            <p:cond delay="0"/>
-                                          </p:stCondLst>
-                                        </p:cTn>
-                                        <p:tgtEl>
-                                          <p:spTgt spid="6"/>
-                                        </p:tgtEl>
-                                        <p:attrNameLst>
-                                          <p:attrName>style.visibility</p:attrName>
-                                        </p:attrNameLst>
-                                      </p:cBhvr>
-                                      <p:to>
-                                        <p:strVal val="visible"/>
-                                      </p:to>
-                                    </p:set>
-                                    <p:animEffect transition="in" filter="fade">
-                                      <p:cBhvr>
-                                        <p:cTn id="17" dur="500"/>
-                                        <p:tgtEl>
-                                          <p:spTgt spid="6"/>
-                                        </p:tgtEl>
-                                      </p:cBhvr>
-                                    </p:animEffect>
-                                  </p:childTnLst>
-                                </p:cTn>
-                              </p:par>
-                            </p:childTnLst>
-                          </p:cTn>
-                        </p:par>
-                      </p:childTnLst>
-                    </p:cTn>
-                  </p:par>
-                </p:childTnLst>
-              </p:cTn>
-              <p:prevCondLst>
-                <p:cond evt="onPrev" delay="0">
-                  <p:tgtEl>
-                    <p:sldTgt/>
-                  </p:tgtEl>
-                </p:cond>
-              </p:prevCondLst>
-              <p:nextCondLst>
-                <p:cond evt="onNext" delay="0">
-                  <p:tgtEl>
-                    <p:sldTgt/>
-                  </p:tgtEl>
-                </p:cond>
-              </p:nextCondLst>
-            </p:seq>
-          </p:childTnLst>
-        </p:cTn>
-      </p:par>
-    </p:tnLst>
-  </p:timing>
 </p:sld>
 </file>
 

--- a/Slides/CognitiveServicesInAzure.pptx
+++ b/Slides/CognitiveServicesInAzure.pptx
@@ -26579,12 +26579,8 @@
           <a:lstStyle/>
           <a:p>
             <a:r>
-              <a:rPr lang="sv-SE" smtClean="0"/>
-              <a:t>Download the Workshop </a:t>
-            </a:r>
-            <a:r>
               <a:rPr lang="sv-SE" dirty="0" smtClean="0"/>
-              <a:t>files</a:t>
+              <a:t>Download the Workshop files</a:t>
             </a:r>
             <a:endParaRPr lang="da-DK" dirty="0"/>
           </a:p>
@@ -27362,48 +27358,35 @@
           <a:chExt cx="0" cy="0"/>
         </a:xfrm>
       </p:grpSpPr>
-      <p:sp>
-        <p:nvSpPr>
-          <p:cNvPr id="2" name="Title 1"/>
-          <p:cNvSpPr>
-            <a:spLocks noGrp="1"/>
-          </p:cNvSpPr>
-          <p:nvPr>
-            <p:ph type="title"/>
-          </p:nvPr>
-        </p:nvSpPr>
-        <p:spPr/>
-        <p:txBody>
-          <a:bodyPr/>
-          <a:lstStyle/>
-          <a:p>
-            <a:r>
-              <a:rPr lang="sv-SE" dirty="0" smtClean="0"/>
-              <a:t>Cucumbers</a:t>
-            </a:r>
-            <a:endParaRPr lang="da-DK" dirty="0"/>
-          </a:p>
-        </p:txBody>
-      </p:sp>
-      <p:sp>
-        <p:nvSpPr>
-          <p:cNvPr id="3" name="Content Placeholder 2"/>
-          <p:cNvSpPr>
-            <a:spLocks noGrp="1"/>
-          </p:cNvSpPr>
+      <p:pic>
+        <p:nvPicPr>
+          <p:cNvPr id="4" name="Content Placeholder 3"/>
+          <p:cNvPicPr>
+            <a:picLocks noGrp="1" noChangeAspect="1"/>
+          </p:cNvPicPr>
           <p:nvPr>
             <p:ph idx="1"/>
           </p:nvPr>
-        </p:nvSpPr>
-        <p:spPr/>
-        <p:txBody>
-          <a:bodyPr/>
-          <a:lstStyle/>
-          <a:p>
-            <a:endParaRPr lang="da-DK"/>
-          </a:p>
-        </p:txBody>
-      </p:sp>
+        </p:nvPicPr>
+        <p:blipFill>
+          <a:blip r:embed="rId2" cstate="print">
+            <a:extLst>
+              <a:ext uri="{28A0092B-C50C-407E-A947-70E740481C1C}">
+                <a14:useLocalDpi xmlns:a14="http://schemas.microsoft.com/office/drawing/2010/main" val="0"/>
+              </a:ext>
+            </a:extLst>
+          </a:blip>
+          <a:stretch>
+            <a:fillRect/>
+          </a:stretch>
+        </p:blipFill>
+        <p:spPr>
+          <a:xfrm>
+            <a:off x="1641871" y="692149"/>
+            <a:ext cx="8473679" cy="5649119"/>
+          </a:xfrm>
+        </p:spPr>
+      </p:pic>
     </p:spTree>
     <p:extLst>
       <p:ext uri="{BB962C8B-B14F-4D97-AF65-F5344CB8AC3E}">

--- a/Slides/CognitiveServicesInAzure.pptx
+++ b/Slides/CognitiveServicesInAzure.pptx
@@ -5,26 +5,28 @@
     <p:sldMasterId id="2147483674" r:id="rId1"/>
   </p:sldMasterIdLst>
   <p:notesMasterIdLst>
-    <p:notesMasterId r:id="rId19"/>
+    <p:notesMasterId r:id="rId21"/>
   </p:notesMasterIdLst>
   <p:sldIdLst>
     <p:sldId id="256" r:id="rId2"/>
-    <p:sldId id="270" r:id="rId3"/>
-    <p:sldId id="271" r:id="rId4"/>
-    <p:sldId id="257" r:id="rId5"/>
-    <p:sldId id="262" r:id="rId6"/>
-    <p:sldId id="272" r:id="rId7"/>
-    <p:sldId id="260" r:id="rId8"/>
-    <p:sldId id="258" r:id="rId9"/>
-    <p:sldId id="259" r:id="rId10"/>
-    <p:sldId id="261" r:id="rId11"/>
-    <p:sldId id="265" r:id="rId12"/>
-    <p:sldId id="266" r:id="rId13"/>
-    <p:sldId id="264" r:id="rId14"/>
-    <p:sldId id="267" r:id="rId15"/>
-    <p:sldId id="268" r:id="rId16"/>
-    <p:sldId id="269" r:id="rId17"/>
-    <p:sldId id="263" r:id="rId18"/>
+    <p:sldId id="273" r:id="rId3"/>
+    <p:sldId id="274" r:id="rId4"/>
+    <p:sldId id="270" r:id="rId5"/>
+    <p:sldId id="271" r:id="rId6"/>
+    <p:sldId id="257" r:id="rId7"/>
+    <p:sldId id="262" r:id="rId8"/>
+    <p:sldId id="272" r:id="rId9"/>
+    <p:sldId id="260" r:id="rId10"/>
+    <p:sldId id="258" r:id="rId11"/>
+    <p:sldId id="259" r:id="rId12"/>
+    <p:sldId id="261" r:id="rId13"/>
+    <p:sldId id="265" r:id="rId14"/>
+    <p:sldId id="266" r:id="rId15"/>
+    <p:sldId id="264" r:id="rId16"/>
+    <p:sldId id="267" r:id="rId17"/>
+    <p:sldId id="268" r:id="rId18"/>
+    <p:sldId id="269" r:id="rId19"/>
+    <p:sldId id="263" r:id="rId20"/>
   </p:sldIdLst>
   <p:sldSz cx="12192000" cy="6858000"/>
   <p:notesSz cx="6858000" cy="9144000"/>
@@ -1240,7 +1242,7 @@
                 <a:tabLst/>
                 <a:defRPr/>
               </a:pPr>
-              <a:t>11</a:t>
+              <a:t>13</a:t>
             </a:fld>
             <a:endParaRPr kumimoji="0" lang="en-US" sz="1200" b="0" i="0" u="none" strike="noStrike" kern="1200" cap="none" spc="0" normalizeH="0" baseline="0" noProof="0">
               <a:ln>
@@ -1465,7 +1467,7 @@
             <a:fld id="{B4008EB6-D09E-4580-8CD6-DDB14511944F}" type="slidenum">
               <a:rPr lang="en-US" smtClean="0"/>
               <a:pPr/>
-              <a:t>12</a:t>
+              <a:t>14</a:t>
             </a:fld>
             <a:endParaRPr lang="en-US"/>
           </a:p>
@@ -1842,7 +1844,7 @@
                 <a:tabLst/>
                 <a:defRPr/>
               </a:pPr>
-              <a:t>13</a:t>
+              <a:t>15</a:t>
             </a:fld>
             <a:endParaRPr kumimoji="0" lang="en-US" sz="1200" b="0" i="0" u="none" strike="noStrike" kern="1200" cap="none" spc="0" normalizeH="0" baseline="0" noProof="0">
               <a:ln>
@@ -2206,7 +2208,7 @@
                 <a:tabLst/>
                 <a:defRPr/>
               </a:pPr>
-              <a:t>14</a:t>
+              <a:t>16</a:t>
             </a:fld>
             <a:endParaRPr kumimoji="0" lang="en-US" sz="1200" b="0" i="0" u="none" strike="noStrike" kern="1200" cap="none" spc="0" normalizeH="0" baseline="0" noProof="0">
               <a:ln>
@@ -2350,7 +2352,7 @@
                 <a:tabLst/>
                 <a:defRPr/>
               </a:pPr>
-              <a:t>16</a:t>
+              <a:t>18</a:t>
             </a:fld>
             <a:endParaRPr kumimoji="0" lang="en-US" sz="1200" b="0" i="0" u="none" strike="noStrike" kern="1200" cap="none" spc="0" normalizeH="0" baseline="0" noProof="0">
               <a:ln>
@@ -5874,6 +5876,230 @@
           <a:p>
             <a:r>
               <a:rPr lang="sv-SE" dirty="0" smtClean="0"/>
+              <a:t>LUIS</a:t>
+            </a:r>
+            <a:endParaRPr lang="da-DK" dirty="0"/>
+          </a:p>
+        </p:txBody>
+      </p:sp>
+      <p:sp>
+        <p:nvSpPr>
+          <p:cNvPr id="3" name="Content Placeholder 2"/>
+          <p:cNvSpPr>
+            <a:spLocks noGrp="1"/>
+          </p:cNvSpPr>
+          <p:nvPr>
+            <p:ph idx="1"/>
+          </p:nvPr>
+        </p:nvSpPr>
+        <p:spPr/>
+        <p:txBody>
+          <a:bodyPr/>
+          <a:lstStyle/>
+          <a:p>
+            <a:r>
+              <a:rPr lang="sv-SE" dirty="0" smtClean="0"/>
+              <a:t>Docs: </a:t>
+            </a:r>
+            <a:r>
+              <a:rPr lang="da-DK" dirty="0">
+                <a:hlinkClick r:id="rId2"/>
+              </a:rPr>
+              <a:t>https://docs.microsoft.com/en-us/azure/cognitive-services/luis</a:t>
+            </a:r>
+            <a:r>
+              <a:rPr lang="da-DK" dirty="0" smtClean="0">
+                <a:hlinkClick r:id="rId2"/>
+              </a:rPr>
+              <a:t>/</a:t>
+            </a:r>
+            <a:endParaRPr lang="da-DK" dirty="0" smtClean="0"/>
+          </a:p>
+          <a:p>
+            <a:r>
+              <a:rPr lang="sv-SE" dirty="0" smtClean="0"/>
+              <a:t>Portal: </a:t>
+            </a:r>
+            <a:r>
+              <a:rPr lang="da-DK" dirty="0">
+                <a:hlinkClick r:id="rId3"/>
+              </a:rPr>
+              <a:t>http://</a:t>
+            </a:r>
+            <a:r>
+              <a:rPr lang="da-DK" dirty="0" smtClean="0">
+                <a:hlinkClick r:id="rId3"/>
+              </a:rPr>
+              <a:t>luis.ai</a:t>
+            </a:r>
+            <a:endParaRPr lang="da-DK" dirty="0" smtClean="0"/>
+          </a:p>
+          <a:p>
+            <a:r>
+              <a:rPr lang="sv-SE" dirty="0" smtClean="0"/>
+              <a:t>NLP started in the 50s: </a:t>
+            </a:r>
+            <a:r>
+              <a:rPr lang="da-DK" dirty="0" smtClean="0">
+                <a:hlinkClick r:id="rId4"/>
+              </a:rPr>
+              <a:t>https://en.wikipedia.org/wiki/Natural_language_processing</a:t>
+            </a:r>
+            <a:endParaRPr lang="da-DK" dirty="0" smtClean="0"/>
+          </a:p>
+          <a:p>
+            <a:endParaRPr lang="da-DK" dirty="0"/>
+          </a:p>
+        </p:txBody>
+      </p:sp>
+    </p:spTree>
+    <p:extLst>
+      <p:ext uri="{BB962C8B-B14F-4D97-AF65-F5344CB8AC3E}">
+        <p14:creationId xmlns:p14="http://schemas.microsoft.com/office/powerpoint/2010/main" val="3217939328"/>
+      </p:ext>
+    </p:extLst>
+  </p:cSld>
+  <p:clrMapOvr>
+    <a:masterClrMapping/>
+  </p:clrMapOvr>
+</p:sld>
+</file>
+
+<file path=ppt/slides/slide11.xml><?xml version="1.0" encoding="utf-8"?>
+<p:sld xmlns:a="http://schemas.openxmlformats.org/drawingml/2006/main" xmlns:r="http://schemas.openxmlformats.org/officeDocument/2006/relationships" xmlns:p="http://schemas.openxmlformats.org/presentationml/2006/main">
+  <p:cSld>
+    <p:spTree>
+      <p:nvGrpSpPr>
+        <p:cNvPr id="1" name=""/>
+        <p:cNvGrpSpPr/>
+        <p:nvPr/>
+      </p:nvGrpSpPr>
+      <p:grpSpPr>
+        <a:xfrm>
+          <a:off x="0" y="0"/>
+          <a:ext cx="0" cy="0"/>
+          <a:chOff x="0" y="0"/>
+          <a:chExt cx="0" cy="0"/>
+        </a:xfrm>
+      </p:grpSpPr>
+      <p:sp>
+        <p:nvSpPr>
+          <p:cNvPr id="2" name="Title 1"/>
+          <p:cNvSpPr>
+            <a:spLocks noGrp="1"/>
+          </p:cNvSpPr>
+          <p:nvPr>
+            <p:ph type="title"/>
+          </p:nvPr>
+        </p:nvSpPr>
+        <p:spPr/>
+        <p:txBody>
+          <a:bodyPr/>
+          <a:lstStyle/>
+          <a:p>
+            <a:r>
+              <a:rPr lang="sv-SE" dirty="0" smtClean="0"/>
+              <a:t>QnA Maker</a:t>
+            </a:r>
+            <a:endParaRPr lang="da-DK" dirty="0"/>
+          </a:p>
+        </p:txBody>
+      </p:sp>
+      <p:sp>
+        <p:nvSpPr>
+          <p:cNvPr id="3" name="Content Placeholder 2"/>
+          <p:cNvSpPr>
+            <a:spLocks noGrp="1"/>
+          </p:cNvSpPr>
+          <p:nvPr>
+            <p:ph idx="1"/>
+          </p:nvPr>
+        </p:nvSpPr>
+        <p:spPr/>
+        <p:txBody>
+          <a:bodyPr/>
+          <a:lstStyle/>
+          <a:p>
+            <a:r>
+              <a:rPr lang="sv-SE" dirty="0" smtClean="0"/>
+              <a:t>Docs: </a:t>
+            </a:r>
+            <a:r>
+              <a:rPr lang="da-DK" dirty="0">
+                <a:hlinkClick r:id="rId2"/>
+              </a:rPr>
+              <a:t>https://docs.microsoft.com/en-us/azure/cognitive-services/qnamaker</a:t>
+            </a:r>
+            <a:r>
+              <a:rPr lang="da-DK" dirty="0" smtClean="0">
+                <a:hlinkClick r:id="rId2"/>
+              </a:rPr>
+              <a:t>/</a:t>
+            </a:r>
+            <a:endParaRPr lang="da-DK" dirty="0" smtClean="0"/>
+          </a:p>
+          <a:p>
+            <a:r>
+              <a:rPr lang="sv-SE" dirty="0" smtClean="0"/>
+              <a:t>Portal: </a:t>
+            </a:r>
+            <a:r>
+              <a:rPr lang="da-DK" dirty="0">
+                <a:hlinkClick r:id="rId3"/>
+              </a:rPr>
+              <a:t>https://qnamaker.ai</a:t>
+            </a:r>
+            <a:endParaRPr lang="da-DK" dirty="0"/>
+          </a:p>
+        </p:txBody>
+      </p:sp>
+    </p:spTree>
+    <p:extLst>
+      <p:ext uri="{BB962C8B-B14F-4D97-AF65-F5344CB8AC3E}">
+        <p14:creationId xmlns:p14="http://schemas.microsoft.com/office/powerpoint/2010/main" val="1387830978"/>
+      </p:ext>
+    </p:extLst>
+  </p:cSld>
+  <p:clrMapOvr>
+    <a:masterClrMapping/>
+  </p:clrMapOvr>
+</p:sld>
+</file>
+
+<file path=ppt/slides/slide12.xml><?xml version="1.0" encoding="utf-8"?>
+<p:sld xmlns:a="http://schemas.openxmlformats.org/drawingml/2006/main" xmlns:r="http://schemas.openxmlformats.org/officeDocument/2006/relationships" xmlns:p="http://schemas.openxmlformats.org/presentationml/2006/main">
+  <p:cSld>
+    <p:spTree>
+      <p:nvGrpSpPr>
+        <p:cNvPr id="1" name=""/>
+        <p:cNvGrpSpPr/>
+        <p:nvPr/>
+      </p:nvGrpSpPr>
+      <p:grpSpPr>
+        <a:xfrm>
+          <a:off x="0" y="0"/>
+          <a:ext cx="0" cy="0"/>
+          <a:chOff x="0" y="0"/>
+          <a:chExt cx="0" cy="0"/>
+        </a:xfrm>
+      </p:grpSpPr>
+      <p:sp>
+        <p:nvSpPr>
+          <p:cNvPr id="2" name="Title 1"/>
+          <p:cNvSpPr>
+            <a:spLocks noGrp="1"/>
+          </p:cNvSpPr>
+          <p:nvPr>
+            <p:ph type="title"/>
+          </p:nvPr>
+        </p:nvSpPr>
+        <p:spPr/>
+        <p:txBody>
+          <a:bodyPr/>
+          <a:lstStyle/>
+          <a:p>
+            <a:r>
+              <a:rPr lang="sv-SE" dirty="0" smtClean="0"/>
               <a:t>Azure Search</a:t>
             </a:r>
             <a:endParaRPr lang="da-DK" dirty="0"/>
@@ -5941,7 +6167,7 @@
 </p:sld>
 </file>
 
-<file path=ppt/slides/slide11.xml><?xml version="1.0" encoding="utf-8"?>
+<file path=ppt/slides/slide13.xml><?xml version="1.0" encoding="utf-8"?>
 <p:sld xmlns:a="http://schemas.openxmlformats.org/drawingml/2006/main" xmlns:r="http://schemas.openxmlformats.org/officeDocument/2006/relationships" xmlns:p="http://schemas.openxmlformats.org/presentationml/2006/main">
   <p:cSld>
     <p:spTree>
@@ -7375,7 +7601,7 @@
 </p:sld>
 </file>
 
-<file path=ppt/slides/slide12.xml><?xml version="1.0" encoding="utf-8"?>
+<file path=ppt/slides/slide14.xml><?xml version="1.0" encoding="utf-8"?>
 <p:sld xmlns:a="http://schemas.openxmlformats.org/drawingml/2006/main" xmlns:r="http://schemas.openxmlformats.org/officeDocument/2006/relationships" xmlns:p="http://schemas.openxmlformats.org/presentationml/2006/main">
   <p:cSld>
     <p:spTree>
@@ -7887,7 +8113,7 @@
 </p:sld>
 </file>
 
-<file path=ppt/slides/slide13.xml><?xml version="1.0" encoding="utf-8"?>
+<file path=ppt/slides/slide15.xml><?xml version="1.0" encoding="utf-8"?>
 <p:sld xmlns:a="http://schemas.openxmlformats.org/drawingml/2006/main" xmlns:r="http://schemas.openxmlformats.org/officeDocument/2006/relationships" xmlns:p="http://schemas.openxmlformats.org/presentationml/2006/main">
   <p:cSld>
     <p:spTree>
@@ -9627,7 +9853,7 @@
 </p:sld>
 </file>
 
-<file path=ppt/slides/slide14.xml><?xml version="1.0" encoding="utf-8"?>
+<file path=ppt/slides/slide16.xml><?xml version="1.0" encoding="utf-8"?>
 <p:sld xmlns:a="http://schemas.openxmlformats.org/drawingml/2006/main" xmlns:r="http://schemas.openxmlformats.org/officeDocument/2006/relationships" xmlns:p="http://schemas.openxmlformats.org/presentationml/2006/main">
   <p:cSld>
     <p:spTree>
@@ -13248,7 +13474,7 @@
 </p:sld>
 </file>
 
-<file path=ppt/slides/slide15.xml><?xml version="1.0" encoding="utf-8"?>
+<file path=ppt/slides/slide17.xml><?xml version="1.0" encoding="utf-8"?>
 <p:sld xmlns:a="http://schemas.openxmlformats.org/drawingml/2006/main" xmlns:r="http://schemas.openxmlformats.org/officeDocument/2006/relationships" xmlns:p="http://schemas.openxmlformats.org/presentationml/2006/main">
   <p:cSld>
     <p:spTree>
@@ -15908,7 +16134,7 @@
 </p:sld>
 </file>
 
-<file path=ppt/slides/slide16.xml><?xml version="1.0" encoding="utf-8"?>
+<file path=ppt/slides/slide18.xml><?xml version="1.0" encoding="utf-8"?>
 <p:sld xmlns:a="http://schemas.openxmlformats.org/drawingml/2006/main" xmlns:r="http://schemas.openxmlformats.org/officeDocument/2006/relationships" xmlns:p="http://schemas.openxmlformats.org/presentationml/2006/main">
   <p:cSld>
     <p:spTree>
@@ -26464,7 +26690,7 @@
 </p:sld>
 </file>
 
-<file path=ppt/slides/slide17.xml><?xml version="1.0" encoding="utf-8"?>
+<file path=ppt/slides/slide19.xml><?xml version="1.0" encoding="utf-8"?>
 <p:sld xmlns:a="http://schemas.openxmlformats.org/drawingml/2006/main" xmlns:r="http://schemas.openxmlformats.org/officeDocument/2006/relationships" xmlns:p="http://schemas.openxmlformats.org/presentationml/2006/main">
   <p:cSld>
     <p:spTree>
@@ -26580,6 +26806,151 @@
           <a:p>
             <a:r>
               <a:rPr lang="sv-SE" dirty="0" smtClean="0"/>
+              <a:t>/aboutme</a:t>
+            </a:r>
+            <a:endParaRPr lang="da-DK" dirty="0"/>
+          </a:p>
+        </p:txBody>
+      </p:sp>
+    </p:spTree>
+    <p:extLst>
+      <p:ext uri="{BB962C8B-B14F-4D97-AF65-F5344CB8AC3E}">
+        <p14:creationId xmlns:p14="http://schemas.microsoft.com/office/powerpoint/2010/main" val="3550508085"/>
+      </p:ext>
+    </p:extLst>
+  </p:cSld>
+  <p:clrMapOvr>
+    <a:masterClrMapping/>
+  </p:clrMapOvr>
+</p:sld>
+</file>
+
+<file path=ppt/slides/slide3.xml><?xml version="1.0" encoding="utf-8"?>
+<p:sld xmlns:a="http://schemas.openxmlformats.org/drawingml/2006/main" xmlns:r="http://schemas.openxmlformats.org/officeDocument/2006/relationships" xmlns:p="http://schemas.openxmlformats.org/presentationml/2006/main">
+  <p:cSld>
+    <p:spTree>
+      <p:nvGrpSpPr>
+        <p:cNvPr id="1" name=""/>
+        <p:cNvGrpSpPr/>
+        <p:nvPr/>
+      </p:nvGrpSpPr>
+      <p:grpSpPr>
+        <a:xfrm>
+          <a:off x="0" y="0"/>
+          <a:ext cx="0" cy="0"/>
+          <a:chOff x="0" y="0"/>
+          <a:chExt cx="0" cy="0"/>
+        </a:xfrm>
+      </p:grpSpPr>
+      <p:sp>
+        <p:nvSpPr>
+          <p:cNvPr id="2" name="Title 1"/>
+          <p:cNvSpPr>
+            <a:spLocks noGrp="1"/>
+          </p:cNvSpPr>
+          <p:nvPr>
+            <p:ph type="title"/>
+          </p:nvPr>
+        </p:nvSpPr>
+        <p:spPr/>
+        <p:txBody>
+          <a:bodyPr/>
+          <a:lstStyle/>
+          <a:p>
+            <a:r>
+              <a:rPr lang="sv-SE" dirty="0" smtClean="0"/>
+              <a:t>Times</a:t>
+            </a:r>
+            <a:endParaRPr lang="da-DK" dirty="0"/>
+          </a:p>
+        </p:txBody>
+      </p:sp>
+      <p:sp>
+        <p:nvSpPr>
+          <p:cNvPr id="3" name="Content Placeholder 2"/>
+          <p:cNvSpPr>
+            <a:spLocks noGrp="1"/>
+          </p:cNvSpPr>
+          <p:nvPr>
+            <p:ph idx="1"/>
+          </p:nvPr>
+        </p:nvSpPr>
+        <p:spPr/>
+        <p:txBody>
+          <a:bodyPr/>
+          <a:lstStyle/>
+          <a:p>
+            <a:r>
+              <a:rPr lang="sv-SE" dirty="0" smtClean="0"/>
+              <a:t>10:15 – 10:35 Coffee</a:t>
+            </a:r>
+          </a:p>
+          <a:p>
+            <a:r>
+              <a:rPr lang="sv-SE" dirty="0" smtClean="0"/>
+              <a:t>12:00 - 13:00 Lunch</a:t>
+            </a:r>
+          </a:p>
+          <a:p>
+            <a:r>
+              <a:rPr lang="sv-SE" dirty="0" smtClean="0"/>
+              <a:t>14:30 </a:t>
+            </a:r>
+            <a:r>
+              <a:rPr lang="sv-SE" smtClean="0"/>
+              <a:t>– 14:50 Coffee</a:t>
+            </a:r>
+            <a:endParaRPr lang="da-DK" dirty="0"/>
+          </a:p>
+        </p:txBody>
+      </p:sp>
+    </p:spTree>
+    <p:extLst>
+      <p:ext uri="{BB962C8B-B14F-4D97-AF65-F5344CB8AC3E}">
+        <p14:creationId xmlns:p14="http://schemas.microsoft.com/office/powerpoint/2010/main" val="881094924"/>
+      </p:ext>
+    </p:extLst>
+  </p:cSld>
+  <p:clrMapOvr>
+    <a:masterClrMapping/>
+  </p:clrMapOvr>
+</p:sld>
+</file>
+
+<file path=ppt/slides/slide4.xml><?xml version="1.0" encoding="utf-8"?>
+<p:sld xmlns:a="http://schemas.openxmlformats.org/drawingml/2006/main" xmlns:r="http://schemas.openxmlformats.org/officeDocument/2006/relationships" xmlns:p="http://schemas.openxmlformats.org/presentationml/2006/main">
+  <p:cSld>
+    <p:spTree>
+      <p:nvGrpSpPr>
+        <p:cNvPr id="1" name=""/>
+        <p:cNvGrpSpPr/>
+        <p:nvPr/>
+      </p:nvGrpSpPr>
+      <p:grpSpPr>
+        <a:xfrm>
+          <a:off x="0" y="0"/>
+          <a:ext cx="0" cy="0"/>
+          <a:chOff x="0" y="0"/>
+          <a:chExt cx="0" cy="0"/>
+        </a:xfrm>
+      </p:grpSpPr>
+      <p:sp>
+        <p:nvSpPr>
+          <p:cNvPr id="2" name="Title 1"/>
+          <p:cNvSpPr>
+            <a:spLocks noGrp="1"/>
+          </p:cNvSpPr>
+          <p:nvPr>
+            <p:ph type="title"/>
+          </p:nvPr>
+        </p:nvSpPr>
+        <p:spPr/>
+        <p:txBody>
+          <a:bodyPr/>
+          <a:lstStyle/>
+          <a:p>
+            <a:r>
+              <a:rPr lang="sv-SE" dirty="0" smtClean="0"/>
               <a:t>Download the Workshop files</a:t>
             </a:r>
             <a:endParaRPr lang="da-DK" dirty="0"/>
@@ -26642,7 +27013,7 @@
 </p:sld>
 </file>
 
-<file path=ppt/slides/slide3.xml><?xml version="1.0" encoding="utf-8"?>
+<file path=ppt/slides/slide5.xml><?xml version="1.0" encoding="utf-8"?>
 <p:sld xmlns:a="http://schemas.openxmlformats.org/drawingml/2006/main" xmlns:r="http://schemas.openxmlformats.org/officeDocument/2006/relationships" xmlns:p="http://schemas.openxmlformats.org/presentationml/2006/main">
   <p:cSld>
     <p:spTree>
@@ -26723,7 +27094,7 @@
 </p:sld>
 </file>
 
-<file path=ppt/slides/slide4.xml><?xml version="1.0" encoding="utf-8"?>
+<file path=ppt/slides/slide6.xml><?xml version="1.0" encoding="utf-8"?>
 <p:sld xmlns:a="http://schemas.openxmlformats.org/drawingml/2006/main" xmlns:r="http://schemas.openxmlformats.org/officeDocument/2006/relationships" xmlns:p="http://schemas.openxmlformats.org/presentationml/2006/main">
   <p:cSld>
     <p:spTree>
@@ -26801,7 +27172,7 @@
 </p:sld>
 </file>
 
-<file path=ppt/slides/slide5.xml><?xml version="1.0" encoding="utf-8"?>
+<file path=ppt/slides/slide7.xml><?xml version="1.0" encoding="utf-8"?>
 <p:sld xmlns:a="http://schemas.openxmlformats.org/drawingml/2006/main" xmlns:r="http://schemas.openxmlformats.org/officeDocument/2006/relationships" xmlns:p="http://schemas.openxmlformats.org/presentationml/2006/main">
   <p:cSld>
     <p:spTree>
@@ -27341,7 +27712,7 @@
 </p:sld>
 </file>
 
-<file path=ppt/slides/slide6.xml><?xml version="1.0" encoding="utf-8"?>
+<file path=ppt/slides/slide8.xml><?xml version="1.0" encoding="utf-8"?>
 <p:sld xmlns:a="http://schemas.openxmlformats.org/drawingml/2006/main" xmlns:r="http://schemas.openxmlformats.org/officeDocument/2006/relationships" xmlns:p="http://schemas.openxmlformats.org/presentationml/2006/main">
   <p:cSld>
     <p:spTree>
@@ -27400,7 +27771,7 @@
 </p:sld>
 </file>
 
-<file path=ppt/slides/slide7.xml><?xml version="1.0" encoding="utf-8"?>
+<file path=ppt/slides/slide9.xml><?xml version="1.0" encoding="utf-8"?>
 <p:sld xmlns:a="http://schemas.openxmlformats.org/drawingml/2006/main" xmlns:r="http://schemas.openxmlformats.org/officeDocument/2006/relationships" xmlns:p="http://schemas.openxmlformats.org/presentationml/2006/main">
   <p:cSld>
     <p:spTree>
@@ -27498,230 +27869,6 @@
     <p:extLst>
       <p:ext uri="{BB962C8B-B14F-4D97-AF65-F5344CB8AC3E}">
         <p14:creationId xmlns:p14="http://schemas.microsoft.com/office/powerpoint/2010/main" val="3479200710"/>
-      </p:ext>
-    </p:extLst>
-  </p:cSld>
-  <p:clrMapOvr>
-    <a:masterClrMapping/>
-  </p:clrMapOvr>
-</p:sld>
-</file>
-
-<file path=ppt/slides/slide8.xml><?xml version="1.0" encoding="utf-8"?>
-<p:sld xmlns:a="http://schemas.openxmlformats.org/drawingml/2006/main" xmlns:r="http://schemas.openxmlformats.org/officeDocument/2006/relationships" xmlns:p="http://schemas.openxmlformats.org/presentationml/2006/main">
-  <p:cSld>
-    <p:spTree>
-      <p:nvGrpSpPr>
-        <p:cNvPr id="1" name=""/>
-        <p:cNvGrpSpPr/>
-        <p:nvPr/>
-      </p:nvGrpSpPr>
-      <p:grpSpPr>
-        <a:xfrm>
-          <a:off x="0" y="0"/>
-          <a:ext cx="0" cy="0"/>
-          <a:chOff x="0" y="0"/>
-          <a:chExt cx="0" cy="0"/>
-        </a:xfrm>
-      </p:grpSpPr>
-      <p:sp>
-        <p:nvSpPr>
-          <p:cNvPr id="2" name="Title 1"/>
-          <p:cNvSpPr>
-            <a:spLocks noGrp="1"/>
-          </p:cNvSpPr>
-          <p:nvPr>
-            <p:ph type="title"/>
-          </p:nvPr>
-        </p:nvSpPr>
-        <p:spPr/>
-        <p:txBody>
-          <a:bodyPr/>
-          <a:lstStyle/>
-          <a:p>
-            <a:r>
-              <a:rPr lang="sv-SE" dirty="0" smtClean="0"/>
-              <a:t>LUIS</a:t>
-            </a:r>
-            <a:endParaRPr lang="da-DK" dirty="0"/>
-          </a:p>
-        </p:txBody>
-      </p:sp>
-      <p:sp>
-        <p:nvSpPr>
-          <p:cNvPr id="3" name="Content Placeholder 2"/>
-          <p:cNvSpPr>
-            <a:spLocks noGrp="1"/>
-          </p:cNvSpPr>
-          <p:nvPr>
-            <p:ph idx="1"/>
-          </p:nvPr>
-        </p:nvSpPr>
-        <p:spPr/>
-        <p:txBody>
-          <a:bodyPr/>
-          <a:lstStyle/>
-          <a:p>
-            <a:r>
-              <a:rPr lang="sv-SE" dirty="0" smtClean="0"/>
-              <a:t>Docs: </a:t>
-            </a:r>
-            <a:r>
-              <a:rPr lang="da-DK" dirty="0">
-                <a:hlinkClick r:id="rId2"/>
-              </a:rPr>
-              <a:t>https://docs.microsoft.com/en-us/azure/cognitive-services/luis</a:t>
-            </a:r>
-            <a:r>
-              <a:rPr lang="da-DK" dirty="0" smtClean="0">
-                <a:hlinkClick r:id="rId2"/>
-              </a:rPr>
-              <a:t>/</a:t>
-            </a:r>
-            <a:endParaRPr lang="da-DK" dirty="0" smtClean="0"/>
-          </a:p>
-          <a:p>
-            <a:r>
-              <a:rPr lang="sv-SE" dirty="0" smtClean="0"/>
-              <a:t>Portal: </a:t>
-            </a:r>
-            <a:r>
-              <a:rPr lang="da-DK" dirty="0">
-                <a:hlinkClick r:id="rId3"/>
-              </a:rPr>
-              <a:t>http://</a:t>
-            </a:r>
-            <a:r>
-              <a:rPr lang="da-DK" dirty="0" smtClean="0">
-                <a:hlinkClick r:id="rId3"/>
-              </a:rPr>
-              <a:t>luis.ai</a:t>
-            </a:r>
-            <a:endParaRPr lang="da-DK" dirty="0" smtClean="0"/>
-          </a:p>
-          <a:p>
-            <a:r>
-              <a:rPr lang="sv-SE" dirty="0" smtClean="0"/>
-              <a:t>NLP started in the 50s: </a:t>
-            </a:r>
-            <a:r>
-              <a:rPr lang="da-DK" dirty="0" smtClean="0">
-                <a:hlinkClick r:id="rId4"/>
-              </a:rPr>
-              <a:t>https://en.wikipedia.org/wiki/Natural_language_processing</a:t>
-            </a:r>
-            <a:endParaRPr lang="da-DK" dirty="0" smtClean="0"/>
-          </a:p>
-          <a:p>
-            <a:endParaRPr lang="da-DK" dirty="0"/>
-          </a:p>
-        </p:txBody>
-      </p:sp>
-    </p:spTree>
-    <p:extLst>
-      <p:ext uri="{BB962C8B-B14F-4D97-AF65-F5344CB8AC3E}">
-        <p14:creationId xmlns:p14="http://schemas.microsoft.com/office/powerpoint/2010/main" val="3217939328"/>
-      </p:ext>
-    </p:extLst>
-  </p:cSld>
-  <p:clrMapOvr>
-    <a:masterClrMapping/>
-  </p:clrMapOvr>
-</p:sld>
-</file>
-
-<file path=ppt/slides/slide9.xml><?xml version="1.0" encoding="utf-8"?>
-<p:sld xmlns:a="http://schemas.openxmlformats.org/drawingml/2006/main" xmlns:r="http://schemas.openxmlformats.org/officeDocument/2006/relationships" xmlns:p="http://schemas.openxmlformats.org/presentationml/2006/main">
-  <p:cSld>
-    <p:spTree>
-      <p:nvGrpSpPr>
-        <p:cNvPr id="1" name=""/>
-        <p:cNvGrpSpPr/>
-        <p:nvPr/>
-      </p:nvGrpSpPr>
-      <p:grpSpPr>
-        <a:xfrm>
-          <a:off x="0" y="0"/>
-          <a:ext cx="0" cy="0"/>
-          <a:chOff x="0" y="0"/>
-          <a:chExt cx="0" cy="0"/>
-        </a:xfrm>
-      </p:grpSpPr>
-      <p:sp>
-        <p:nvSpPr>
-          <p:cNvPr id="2" name="Title 1"/>
-          <p:cNvSpPr>
-            <a:spLocks noGrp="1"/>
-          </p:cNvSpPr>
-          <p:nvPr>
-            <p:ph type="title"/>
-          </p:nvPr>
-        </p:nvSpPr>
-        <p:spPr/>
-        <p:txBody>
-          <a:bodyPr/>
-          <a:lstStyle/>
-          <a:p>
-            <a:r>
-              <a:rPr lang="sv-SE" dirty="0" smtClean="0"/>
-              <a:t>QnA Maker</a:t>
-            </a:r>
-            <a:endParaRPr lang="da-DK" dirty="0"/>
-          </a:p>
-        </p:txBody>
-      </p:sp>
-      <p:sp>
-        <p:nvSpPr>
-          <p:cNvPr id="3" name="Content Placeholder 2"/>
-          <p:cNvSpPr>
-            <a:spLocks noGrp="1"/>
-          </p:cNvSpPr>
-          <p:nvPr>
-            <p:ph idx="1"/>
-          </p:nvPr>
-        </p:nvSpPr>
-        <p:spPr/>
-        <p:txBody>
-          <a:bodyPr/>
-          <a:lstStyle/>
-          <a:p>
-            <a:r>
-              <a:rPr lang="sv-SE" dirty="0" smtClean="0"/>
-              <a:t>Docs: </a:t>
-            </a:r>
-            <a:r>
-              <a:rPr lang="da-DK" dirty="0">
-                <a:hlinkClick r:id="rId2"/>
-              </a:rPr>
-              <a:t>https://docs.microsoft.com/en-us/azure/cognitive-services/qnamaker</a:t>
-            </a:r>
-            <a:r>
-              <a:rPr lang="da-DK" dirty="0" smtClean="0">
-                <a:hlinkClick r:id="rId2"/>
-              </a:rPr>
-              <a:t>/</a:t>
-            </a:r>
-            <a:endParaRPr lang="da-DK" dirty="0" smtClean="0"/>
-          </a:p>
-          <a:p>
-            <a:r>
-              <a:rPr lang="sv-SE" dirty="0" smtClean="0"/>
-              <a:t>Portal: </a:t>
-            </a:r>
-            <a:r>
-              <a:rPr lang="da-DK" dirty="0">
-                <a:hlinkClick r:id="rId3"/>
-              </a:rPr>
-              <a:t>https://qnamaker.ai</a:t>
-            </a:r>
-            <a:endParaRPr lang="da-DK" dirty="0"/>
-          </a:p>
-        </p:txBody>
-      </p:sp>
-    </p:spTree>
-    <p:extLst>
-      <p:ext uri="{BB962C8B-B14F-4D97-AF65-F5344CB8AC3E}">
-        <p14:creationId xmlns:p14="http://schemas.microsoft.com/office/powerpoint/2010/main" val="1387830978"/>
       </p:ext>
     </p:extLst>
   </p:cSld>
